--- a/Báo cáo FL lần 2/Báo cáo Federated Learning.pptx
+++ b/Báo cáo FL lần 2/Báo cáo Federated Learning.pptx
@@ -17,7 +17,14 @@
     <p:sldId id="265" r:id="rId11"/>
     <p:sldId id="266" r:id="rId12"/>
     <p:sldId id="267" r:id="rId13"/>
-    <p:sldId id="268" r:id="rId14"/>
+    <p:sldId id="274" r:id="rId14"/>
+    <p:sldId id="269" r:id="rId15"/>
+    <p:sldId id="270" r:id="rId16"/>
+    <p:sldId id="273" r:id="rId17"/>
+    <p:sldId id="272" r:id="rId18"/>
+    <p:sldId id="268" r:id="rId19"/>
+    <p:sldId id="275" r:id="rId20"/>
+    <p:sldId id="276" r:id="rId21"/>
   </p:sldIdLst>
   <p:sldSz cx="12192000" cy="6858000"/>
   <p:notesSz cx="6858000" cy="9144000"/>
@@ -116,6 +123,11 @@
       </a:defRPr>
     </a:lvl9pPr>
   </p:defaultTextStyle>
+  <p:extLst>
+    <p:ext uri="{EFAFB233-063F-42B5-8137-9DF3F51BA10A}">
+      <p15:sldGuideLst xmlns:p15="http://schemas.microsoft.com/office/powerpoint/2012/main"/>
+    </p:ext>
+  </p:extLst>
 </p:presentation>
 </file>
 
@@ -266,7 +278,7 @@
           <a:p>
             <a:fld id="{95F35F94-D260-4556-9B29-64E9A9800BE0}" type="datetimeFigureOut">
               <a:rPr lang="en-US" smtClean="0"/>
-              <a:t>12/24/2023</a:t>
+              <a:t>12/28/2023</a:t>
             </a:fld>
             <a:endParaRPr lang="en-US"/>
           </a:p>
@@ -464,7 +476,7 @@
           <a:p>
             <a:fld id="{95F35F94-D260-4556-9B29-64E9A9800BE0}" type="datetimeFigureOut">
               <a:rPr lang="en-US" smtClean="0"/>
-              <a:t>12/24/2023</a:t>
+              <a:t>12/28/2023</a:t>
             </a:fld>
             <a:endParaRPr lang="en-US"/>
           </a:p>
@@ -672,7 +684,7 @@
           <a:p>
             <a:fld id="{95F35F94-D260-4556-9B29-64E9A9800BE0}" type="datetimeFigureOut">
               <a:rPr lang="en-US" smtClean="0"/>
-              <a:t>12/24/2023</a:t>
+              <a:t>12/28/2023</a:t>
             </a:fld>
             <a:endParaRPr lang="en-US"/>
           </a:p>
@@ -870,7 +882,7 @@
           <a:p>
             <a:fld id="{95F35F94-D260-4556-9B29-64E9A9800BE0}" type="datetimeFigureOut">
               <a:rPr lang="en-US" smtClean="0"/>
-              <a:t>12/24/2023</a:t>
+              <a:t>12/28/2023</a:t>
             </a:fld>
             <a:endParaRPr lang="en-US"/>
           </a:p>
@@ -1145,7 +1157,7 @@
           <a:p>
             <a:fld id="{95F35F94-D260-4556-9B29-64E9A9800BE0}" type="datetimeFigureOut">
               <a:rPr lang="en-US" smtClean="0"/>
-              <a:t>12/24/2023</a:t>
+              <a:t>12/28/2023</a:t>
             </a:fld>
             <a:endParaRPr lang="en-US"/>
           </a:p>
@@ -1410,7 +1422,7 @@
           <a:p>
             <a:fld id="{95F35F94-D260-4556-9B29-64E9A9800BE0}" type="datetimeFigureOut">
               <a:rPr lang="en-US" smtClean="0"/>
-              <a:t>12/24/2023</a:t>
+              <a:t>12/28/2023</a:t>
             </a:fld>
             <a:endParaRPr lang="en-US"/>
           </a:p>
@@ -1822,7 +1834,7 @@
           <a:p>
             <a:fld id="{95F35F94-D260-4556-9B29-64E9A9800BE0}" type="datetimeFigureOut">
               <a:rPr lang="en-US" smtClean="0"/>
-              <a:t>12/24/2023</a:t>
+              <a:t>12/28/2023</a:t>
             </a:fld>
             <a:endParaRPr lang="en-US"/>
           </a:p>
@@ -1963,7 +1975,7 @@
           <a:p>
             <a:fld id="{95F35F94-D260-4556-9B29-64E9A9800BE0}" type="datetimeFigureOut">
               <a:rPr lang="en-US" smtClean="0"/>
-              <a:t>12/24/2023</a:t>
+              <a:t>12/28/2023</a:t>
             </a:fld>
             <a:endParaRPr lang="en-US"/>
           </a:p>
@@ -2076,7 +2088,7 @@
           <a:p>
             <a:fld id="{95F35F94-D260-4556-9B29-64E9A9800BE0}" type="datetimeFigureOut">
               <a:rPr lang="en-US" smtClean="0"/>
-              <a:t>12/24/2023</a:t>
+              <a:t>12/28/2023</a:t>
             </a:fld>
             <a:endParaRPr lang="en-US"/>
           </a:p>
@@ -2387,7 +2399,7 @@
           <a:p>
             <a:fld id="{95F35F94-D260-4556-9B29-64E9A9800BE0}" type="datetimeFigureOut">
               <a:rPr lang="en-US" smtClean="0"/>
-              <a:t>12/24/2023</a:t>
+              <a:t>12/28/2023</a:t>
             </a:fld>
             <a:endParaRPr lang="en-US"/>
           </a:p>
@@ -2675,7 +2687,7 @@
           <a:p>
             <a:fld id="{95F35F94-D260-4556-9B29-64E9A9800BE0}" type="datetimeFigureOut">
               <a:rPr lang="en-US" smtClean="0"/>
-              <a:t>12/24/2023</a:t>
+              <a:t>12/28/2023</a:t>
             </a:fld>
             <a:endParaRPr lang="en-US"/>
           </a:p>
@@ -2916,7 +2928,7 @@
           <a:p>
             <a:fld id="{95F35F94-D260-4556-9B29-64E9A9800BE0}" type="datetimeFigureOut">
               <a:rPr lang="en-US" smtClean="0"/>
-              <a:t>12/24/2023</a:t>
+              <a:t>12/28/2023</a:t>
             </a:fld>
             <a:endParaRPr lang="en-US"/>
           </a:p>
@@ -3546,7 +3558,7 @@
           <p:nvPr>
             <p:extLst>
               <p:ext uri="{D42A27DB-BD31-4B8C-83A1-F6EECF244321}">
-                <p14:modId xmlns:p14="http://schemas.microsoft.com/office/powerpoint/2010/main" val="797015915"/>
+                <p14:modId xmlns:p14="http://schemas.microsoft.com/office/powerpoint/2010/main" val="1688588055"/>
               </p:ext>
             </p:extLst>
           </p:nvPr>
@@ -3705,6 +3717,18 @@
                     <a:lstStyle/>
                     <a:p>
                       <a:r>
+                        <a:rPr lang="en-US" sz="1600" b="0" i="0" kern="1200">
+                          <a:solidFill>
+                            <a:schemeClr val="dk1"/>
+                          </a:solidFill>
+                          <a:effectLst/>
+                          <a:latin typeface="+mn-lt"/>
+                          <a:ea typeface="+mn-ea"/>
+                          <a:cs typeface="+mn-cs"/>
+                        </a:rPr>
+                        <a:t>C</a:t>
+                      </a:r>
+                      <a:r>
                         <a:rPr lang="vi-VN" sz="1600" b="0" i="0" kern="1200">
                           <a:solidFill>
                             <a:schemeClr val="dk1"/>
@@ -3714,7 +3738,7 @@
                           <a:ea typeface="+mn-ea"/>
                           <a:cs typeface="+mn-cs"/>
                         </a:rPr>
-                        <a:t>chi phí bảo mật tổng cộng sau vòng lặp toàn cầu T sẽ không vượt quá </a:t>
+                        <a:t>hi phí bảo mật tổng cộng sau vòng lặp toàn cầu T sẽ không vượt quá </a:t>
                       </a:r>
                       <a:r>
                         <a:rPr lang="en-US" sz="1600" b="0" i="0" kern="1200">
@@ -3980,7 +4004,7 @@
         </p:nvSpPr>
         <p:spPr>
           <a:xfrm>
-            <a:off x="838199" y="1841242"/>
+            <a:off x="838196" y="1690688"/>
             <a:ext cx="9388883" cy="5016758"/>
           </a:xfrm>
           <a:prstGeom prst="rect">
@@ -4564,7 +4588,7 @@
         </p:blipFill>
         <p:spPr>
           <a:xfrm>
-            <a:off x="4609492" y="5559726"/>
+            <a:off x="4782020" y="5417194"/>
             <a:ext cx="1868551" cy="290111"/>
           </a:xfrm>
           <a:prstGeom prst="rect">
@@ -4722,7 +4746,7 @@
         </p:blipFill>
         <p:spPr>
           <a:xfrm>
-            <a:off x="5736969" y="1539184"/>
+            <a:off x="5762849" y="1415659"/>
             <a:ext cx="4515480" cy="4953691"/>
           </a:xfrm>
           <a:prstGeom prst="rect">
@@ -4818,17 +4842,17 @@
           <a:p>
             <a:r>
               <a:rPr lang="en-US"/>
-              <a:t>Thuật toán phân cụm đề xuất</a:t>
+              <a:t>Multi Clustered Federated Learning</a:t>
             </a:r>
           </a:p>
         </p:txBody>
       </p:sp>
       <p:sp>
         <p:nvSpPr>
-          <p:cNvPr id="6" name="TextBox 5">
-            <a:extLst>
-              <a:ext uri="{FF2B5EF4-FFF2-40B4-BE49-F238E27FC236}">
-                <a16:creationId xmlns:a16="http://schemas.microsoft.com/office/drawing/2014/main" id="{0A3FDEF3-B8A5-4250-66D5-595C52E352B0}"/>
+          <p:cNvPr id="3" name="TextBox 2">
+            <a:extLst>
+              <a:ext uri="{FF2B5EF4-FFF2-40B4-BE49-F238E27FC236}">
+                <a16:creationId xmlns:a16="http://schemas.microsoft.com/office/drawing/2014/main" id="{247F7F1D-A2AA-69A4-DDCA-E01C2E96250F}"/>
               </a:ext>
             </a:extLst>
           </p:cNvPr>
@@ -4837,8 +4861,8 @@
         </p:nvSpPr>
         <p:spPr>
           <a:xfrm>
-            <a:off x="1126435" y="1690688"/>
-            <a:ext cx="10045148" cy="4924425"/>
+            <a:off x="838200" y="1690688"/>
+            <a:ext cx="8987590" cy="1692771"/>
           </a:xfrm>
           <a:prstGeom prst="rect">
             <a:avLst/>
@@ -4846,87 +4870,2348 @@
           <a:noFill/>
         </p:spPr>
         <p:txBody>
-          <a:bodyPr wrap="square" rtlCol="0">
+          <a:bodyPr wrap="square">
             <a:spAutoFit/>
           </a:bodyPr>
           <a:lstStyle/>
           <a:p>
-            <a:r>
-              <a:rPr lang="en-US" sz="2400"/>
-              <a:t>Giữ nguyen khung của thuật toán gốc với 2 bước là:</a:t>
-            </a:r>
-          </a:p>
-          <a:p>
-            <a:pPr marL="285750" indent="-285750">
+            <a:pPr algn="l" rtl="0"/>
+            <a:r>
+              <a:rPr lang="en-US" sz="2400" b="1">
+                <a:effectLst/>
+                <a:latin typeface="Times New Roman" panose="02020603050405020304" pitchFamily="18" charset="0"/>
+                <a:cs typeface="Times New Roman" panose="02020603050405020304" pitchFamily="18" charset="0"/>
+              </a:rPr>
+              <a:t>Chưa cài được thuật toán gốc vì:</a:t>
+            </a:r>
+          </a:p>
+          <a:p>
+            <a:pPr marL="342900" indent="-342900" algn="l" rtl="0">
               <a:buFont typeface="Arial" panose="020B0604020202020204" pitchFamily="34" charset="0"/>
               <a:buChar char="•"/>
             </a:pPr>
             <a:r>
-              <a:rPr lang="en-US" sz="2200"/>
-              <a:t>Clustering stage</a:t>
-            </a:r>
-          </a:p>
-          <a:p>
-            <a:pPr marL="285750" indent="-285750">
+              <a:rPr lang="en-US" sz="2000">
+                <a:effectLst/>
+                <a:latin typeface="Times New Roman" panose="02020603050405020304" pitchFamily="18" charset="0"/>
+                <a:cs typeface="Times New Roman" panose="02020603050405020304" pitchFamily="18" charset="0"/>
+              </a:rPr>
+              <a:t>Chưa tìm được cách để đo các thông số của máy hay các thông số về truyền thông giữa các máy với nhau</a:t>
+            </a:r>
+          </a:p>
+          <a:p>
+            <a:pPr marL="342900" indent="-342900" algn="l" rtl="0">
               <a:buFont typeface="Arial" panose="020B0604020202020204" pitchFamily="34" charset="0"/>
               <a:buChar char="•"/>
             </a:pPr>
             <a:r>
-              <a:rPr lang="en-US" sz="2200"/>
-              <a:t>Trainning stage</a:t>
-            </a:r>
-          </a:p>
-          <a:p>
-            <a:pPr marL="285750" indent="-285750">
+              <a:rPr lang="en-US" sz="2000">
+                <a:latin typeface="Times New Roman" panose="02020603050405020304" pitchFamily="18" charset="0"/>
+                <a:cs typeface="Times New Roman" panose="02020603050405020304" pitchFamily="18" charset="0"/>
+              </a:rPr>
+              <a:t>Đã cài được thuật toán phân cụm tuy nhiên chưa thể kết hợp cùng với Flower</a:t>
+            </a:r>
+            <a:endParaRPr lang="en-US" sz="2000">
+              <a:effectLst/>
+              <a:latin typeface="Times New Roman" panose="02020603050405020304" pitchFamily="18" charset="0"/>
+              <a:cs typeface="Times New Roman" panose="02020603050405020304" pitchFamily="18" charset="0"/>
+            </a:endParaRPr>
+          </a:p>
+          <a:p>
+            <a:pPr marL="342900" indent="-342900" algn="l" rtl="0">
               <a:buFont typeface="Arial" panose="020B0604020202020204" pitchFamily="34" charset="0"/>
               <a:buChar char="•"/>
             </a:pPr>
-            <a:endParaRPr lang="en-US" sz="2400"/>
-          </a:p>
-          <a:p>
+            <a:r>
+              <a:rPr lang="en-US" sz="2000">
+                <a:latin typeface="Times New Roman" panose="02020603050405020304" pitchFamily="18" charset="0"/>
+                <a:cs typeface="Times New Roman" panose="02020603050405020304" pitchFamily="18" charset="0"/>
+              </a:rPr>
+              <a:t>Chưa có kinh nghiệm cài đặt các phương pháp Reinforcement Learning</a:t>
+            </a:r>
+            <a:endParaRPr lang="en-US" sz="2000">
+              <a:effectLst/>
+              <a:latin typeface="Times New Roman" panose="02020603050405020304" pitchFamily="18" charset="0"/>
+              <a:cs typeface="Times New Roman" panose="02020603050405020304" pitchFamily="18" charset="0"/>
+            </a:endParaRPr>
+          </a:p>
+        </p:txBody>
+      </p:sp>
+    </p:spTree>
+    <p:extLst>
+      <p:ext uri="{BB962C8B-B14F-4D97-AF65-F5344CB8AC3E}">
+        <p14:creationId xmlns:p14="http://schemas.microsoft.com/office/powerpoint/2010/main" val="3057811703"/>
+      </p:ext>
+    </p:extLst>
+  </p:cSld>
+  <p:clrMapOvr>
+    <a:masterClrMapping/>
+  </p:clrMapOvr>
+</p:sld>
+</file>
+
+<file path=ppt/slides/slide14.xml><?xml version="1.0" encoding="utf-8"?>
+<p:sld xmlns:a="http://schemas.openxmlformats.org/drawingml/2006/main" xmlns:r="http://schemas.openxmlformats.org/officeDocument/2006/relationships" xmlns:p="http://schemas.openxmlformats.org/presentationml/2006/main">
+  <p:cSld>
+    <p:spTree>
+      <p:nvGrpSpPr>
+        <p:cNvPr id="1" name=""/>
+        <p:cNvGrpSpPr/>
+        <p:nvPr/>
+      </p:nvGrpSpPr>
+      <p:grpSpPr>
+        <a:xfrm>
+          <a:off x="0" y="0"/>
+          <a:ext cx="0" cy="0"/>
+          <a:chOff x="0" y="0"/>
+          <a:chExt cx="0" cy="0"/>
+        </a:xfrm>
+      </p:grpSpPr>
+      <p:sp>
+        <p:nvSpPr>
+          <p:cNvPr id="2" name="Title 1">
+            <a:extLst>
+              <a:ext uri="{FF2B5EF4-FFF2-40B4-BE49-F238E27FC236}">
+                <a16:creationId xmlns:a16="http://schemas.microsoft.com/office/drawing/2014/main" id="{88AFD69D-ABD3-1884-0D46-F1479A457D1C}"/>
+              </a:ext>
+            </a:extLst>
+          </p:cNvPr>
+          <p:cNvSpPr>
+            <a:spLocks noGrp="1"/>
+          </p:cNvSpPr>
+          <p:nvPr>
+            <p:ph type="title"/>
+          </p:nvPr>
+        </p:nvSpPr>
+        <p:spPr/>
+        <p:txBody>
+          <a:bodyPr/>
+          <a:lstStyle/>
+          <a:p>
+            <a:r>
+              <a:rPr lang="en-US"/>
+              <a:t>Federated Impurity</a:t>
+            </a:r>
+          </a:p>
+        </p:txBody>
+      </p:sp>
+      <mc:AlternateContent xmlns:mc="http://schemas.openxmlformats.org/markup-compatibility/2006" xmlns:a14="http://schemas.microsoft.com/office/drawing/2010/main">
+        <mc:Choice Requires="a14">
+          <p:sp>
+            <p:nvSpPr>
+              <p:cNvPr id="3" name="Content Placeholder 2">
+                <a:extLst>
+                  <a:ext uri="{FF2B5EF4-FFF2-40B4-BE49-F238E27FC236}">
+                    <a16:creationId xmlns:a16="http://schemas.microsoft.com/office/drawing/2014/main" id="{22A0BF92-C43B-4EE5-D425-E9AD31BEC51B}"/>
+                  </a:ext>
+                </a:extLst>
+              </p:cNvPr>
+              <p:cNvSpPr>
+                <a:spLocks noGrp="1"/>
+              </p:cNvSpPr>
+              <p:nvPr>
+                <p:ph idx="1"/>
+              </p:nvPr>
+            </p:nvSpPr>
+            <p:spPr/>
+            <p:txBody>
+              <a:bodyPr/>
+              <a:lstStyle/>
+              <a:p>
+                <a:pPr marL="0" marR="0" indent="0">
+                  <a:spcBef>
+                    <a:spcPts val="0"/>
+                  </a:spcBef>
+                  <a:spcAft>
+                    <a:spcPts val="0"/>
+                  </a:spcAft>
+                  <a:buNone/>
+                </a:pPr>
+                <a:r>
+                  <a:rPr lang="en-US" sz="1800" b="1" kern="100">
+                    <a:effectLst/>
+                    <a:latin typeface="Calibri" panose="020F0502020204030204" pitchFamily="34" charset="0"/>
+                    <a:ea typeface="Calibri" panose="020F0502020204030204" pitchFamily="34" charset="0"/>
+                    <a:cs typeface="Times New Roman" panose="02020603050405020304" pitchFamily="18" charset="0"/>
+                  </a:rPr>
+                  <a:t>Đo lường mức độ non-iid của một nút dữ liệu</a:t>
+                </a:r>
+                <a:endParaRPr lang="en-US" sz="1800" kern="100">
+                  <a:effectLst/>
+                  <a:latin typeface="Calibri" panose="020F0502020204030204" pitchFamily="34" charset="0"/>
+                  <a:ea typeface="Calibri" panose="020F0502020204030204" pitchFamily="34" charset="0"/>
+                  <a:cs typeface="Times New Roman" panose="02020603050405020304" pitchFamily="18" charset="0"/>
+                </a:endParaRPr>
+              </a:p>
+              <a:p>
+                <a:pPr marL="0" marR="0" indent="0">
+                  <a:spcBef>
+                    <a:spcPts val="0"/>
+                  </a:spcBef>
+                  <a:spcAft>
+                    <a:spcPts val="0"/>
+                  </a:spcAft>
+                  <a:buNone/>
+                </a:pPr>
+                <a:r>
+                  <a:rPr lang="en-US" sz="1800" kern="100">
+                    <a:effectLst/>
+                    <a:latin typeface="Calibri" panose="020F0502020204030204" pitchFamily="34" charset="0"/>
+                    <a:ea typeface="Calibri" panose="020F0502020204030204" pitchFamily="34" charset="0"/>
+                    <a:cs typeface="Times New Roman" panose="02020603050405020304" pitchFamily="18" charset="0"/>
+                  </a:rPr>
+                  <a:t>Để đo lường độ không thuần khiết của một nút dữ liệu, FedImp sử dụng entropy, một độ đo thống kê cho sự hỗn loạn các nhãn. Công thức entropy được sử dụng như sau:</a:t>
+                </a:r>
+              </a:p>
+              <a:p>
+                <a:pPr marL="0" marR="0" indent="0">
+                  <a:spcBef>
+                    <a:spcPts val="0"/>
+                  </a:spcBef>
+                  <a:spcAft>
+                    <a:spcPts val="0"/>
+                  </a:spcAft>
+                  <a:buNone/>
+                </a:pPr>
+                <a14:m>
+                  <m:oMathPara xmlns:m="http://schemas.openxmlformats.org/officeDocument/2006/math">
+                    <m:oMathParaPr>
+                      <m:jc m:val="centerGroup"/>
+                    </m:oMathParaPr>
+                    <m:oMath xmlns:m="http://schemas.openxmlformats.org/officeDocument/2006/math">
+                      <m:r>
+                        <a:rPr lang="en-US" sz="1800" i="1" kern="100">
+                          <a:effectLst/>
+                          <a:latin typeface="Cambria Math" panose="02040503050406030204" pitchFamily="18" charset="0"/>
+                          <a:ea typeface="Calibri" panose="020F0502020204030204" pitchFamily="34" charset="0"/>
+                          <a:cs typeface="Times New Roman" panose="02020603050405020304" pitchFamily="18" charset="0"/>
+                        </a:rPr>
+                        <m:t>𝑆</m:t>
+                      </m:r>
+                      <m:r>
+                        <a:rPr lang="en-US" sz="1800" i="1" kern="100">
+                          <a:effectLst/>
+                          <a:latin typeface="Cambria Math" panose="02040503050406030204" pitchFamily="18" charset="0"/>
+                          <a:ea typeface="Calibri" panose="020F0502020204030204" pitchFamily="34" charset="0"/>
+                          <a:cs typeface="Times New Roman" panose="02020603050405020304" pitchFamily="18" charset="0"/>
+                        </a:rPr>
+                        <m:t>=−</m:t>
+                      </m:r>
+                      <m:nary>
+                        <m:naryPr>
+                          <m:chr m:val="∑"/>
+                          <m:ctrlPr>
+                            <a:rPr lang="en-US" sz="1800" i="1" kern="100">
+                              <a:effectLst/>
+                              <a:latin typeface="Cambria Math" panose="02040503050406030204" pitchFamily="18" charset="0"/>
+                              <a:ea typeface="Calibri" panose="020F0502020204030204" pitchFamily="34" charset="0"/>
+                              <a:cs typeface="Times New Roman" panose="02020603050405020304" pitchFamily="18" charset="0"/>
+                            </a:rPr>
+                          </m:ctrlPr>
+                        </m:naryPr>
+                        <m:sub>
+                          <m:r>
+                            <a:rPr lang="en-US" sz="1800" i="1" kern="100">
+                              <a:effectLst/>
+                              <a:latin typeface="Cambria Math" panose="02040503050406030204" pitchFamily="18" charset="0"/>
+                              <a:ea typeface="Calibri" panose="020F0502020204030204" pitchFamily="34" charset="0"/>
+                              <a:cs typeface="Times New Roman" panose="02020603050405020304" pitchFamily="18" charset="0"/>
+                            </a:rPr>
+                            <m:t>𝑗</m:t>
+                          </m:r>
+                          <m:r>
+                            <a:rPr lang="en-US" sz="1800" i="1" kern="100">
+                              <a:effectLst/>
+                              <a:latin typeface="Cambria Math" panose="02040503050406030204" pitchFamily="18" charset="0"/>
+                              <a:ea typeface="Calibri" panose="020F0502020204030204" pitchFamily="34" charset="0"/>
+                              <a:cs typeface="Times New Roman" panose="02020603050405020304" pitchFamily="18" charset="0"/>
+                            </a:rPr>
+                            <m:t>=1</m:t>
+                          </m:r>
+                        </m:sub>
+                        <m:sup>
+                          <m:r>
+                            <a:rPr lang="en-US" sz="1800" i="1" kern="100">
+                              <a:effectLst/>
+                              <a:latin typeface="Cambria Math" panose="02040503050406030204" pitchFamily="18" charset="0"/>
+                              <a:ea typeface="Calibri" panose="020F0502020204030204" pitchFamily="34" charset="0"/>
+                              <a:cs typeface="Times New Roman" panose="02020603050405020304" pitchFamily="18" charset="0"/>
+                            </a:rPr>
+                            <m:t>𝐶</m:t>
+                          </m:r>
+                        </m:sup>
+                        <m:e>
+                          <m:sSub>
+                            <m:sSubPr>
+                              <m:ctrlPr>
+                                <a:rPr lang="en-US" sz="1800" i="1" kern="100">
+                                  <a:effectLst/>
+                                  <a:latin typeface="Cambria Math" panose="02040503050406030204" pitchFamily="18" charset="0"/>
+                                  <a:ea typeface="Calibri" panose="020F0502020204030204" pitchFamily="34" charset="0"/>
+                                  <a:cs typeface="Times New Roman" panose="02020603050405020304" pitchFamily="18" charset="0"/>
+                                </a:rPr>
+                              </m:ctrlPr>
+                            </m:sSubPr>
+                            <m:e>
+                              <m:r>
+                                <a:rPr lang="en-US" sz="1800" i="1" kern="100">
+                                  <a:effectLst/>
+                                  <a:latin typeface="Cambria Math" panose="02040503050406030204" pitchFamily="18" charset="0"/>
+                                  <a:ea typeface="Calibri" panose="020F0502020204030204" pitchFamily="34" charset="0"/>
+                                  <a:cs typeface="Times New Roman" panose="02020603050405020304" pitchFamily="18" charset="0"/>
+                                </a:rPr>
+                                <m:t>𝑝</m:t>
+                              </m:r>
+                            </m:e>
+                            <m:sub>
+                              <m:r>
+                                <a:rPr lang="en-US" sz="1800" i="1" kern="100">
+                                  <a:effectLst/>
+                                  <a:latin typeface="Cambria Math" panose="02040503050406030204" pitchFamily="18" charset="0"/>
+                                  <a:ea typeface="Calibri" panose="020F0502020204030204" pitchFamily="34" charset="0"/>
+                                  <a:cs typeface="Times New Roman" panose="02020603050405020304" pitchFamily="18" charset="0"/>
+                                </a:rPr>
+                                <m:t>𝑗</m:t>
+                              </m:r>
+                            </m:sub>
+                          </m:sSub>
+                        </m:e>
+                      </m:nary>
+                      <m:func>
+                        <m:funcPr>
+                          <m:ctrlPr>
+                            <a:rPr lang="en-US" sz="1800" i="1" kern="100">
+                              <a:effectLst/>
+                              <a:latin typeface="Cambria Math" panose="02040503050406030204" pitchFamily="18" charset="0"/>
+                              <a:ea typeface="Calibri" panose="020F0502020204030204" pitchFamily="34" charset="0"/>
+                              <a:cs typeface="Times New Roman" panose="02020603050405020304" pitchFamily="18" charset="0"/>
+                            </a:rPr>
+                          </m:ctrlPr>
+                        </m:funcPr>
+                        <m:fName>
+                          <m:sSub>
+                            <m:sSubPr>
+                              <m:ctrlPr>
+                                <a:rPr lang="en-US" sz="1800" i="1" kern="100">
+                                  <a:effectLst/>
+                                  <a:latin typeface="Cambria Math" panose="02040503050406030204" pitchFamily="18" charset="0"/>
+                                  <a:ea typeface="Calibri" panose="020F0502020204030204" pitchFamily="34" charset="0"/>
+                                  <a:cs typeface="Times New Roman" panose="02020603050405020304" pitchFamily="18" charset="0"/>
+                                </a:rPr>
+                              </m:ctrlPr>
+                            </m:sSubPr>
+                            <m:e>
+                              <m:r>
+                                <m:rPr>
+                                  <m:sty m:val="p"/>
+                                </m:rPr>
+                                <a:rPr lang="en-US" sz="1800" kern="100">
+                                  <a:effectLst/>
+                                  <a:latin typeface="Cambria Math" panose="02040503050406030204" pitchFamily="18" charset="0"/>
+                                  <a:ea typeface="Calibri" panose="020F0502020204030204" pitchFamily="34" charset="0"/>
+                                  <a:cs typeface="Times New Roman" panose="02020603050405020304" pitchFamily="18" charset="0"/>
+                                </a:rPr>
+                                <m:t>log</m:t>
+                              </m:r>
+                            </m:e>
+                            <m:sub>
+                              <m:r>
+                                <a:rPr lang="en-US" sz="1800" i="1" kern="100">
+                                  <a:effectLst/>
+                                  <a:latin typeface="Cambria Math" panose="02040503050406030204" pitchFamily="18" charset="0"/>
+                                  <a:ea typeface="Calibri" panose="020F0502020204030204" pitchFamily="34" charset="0"/>
+                                  <a:cs typeface="Times New Roman" panose="02020603050405020304" pitchFamily="18" charset="0"/>
+                                </a:rPr>
+                                <m:t>𝐶</m:t>
+                              </m:r>
+                            </m:sub>
+                          </m:sSub>
+                        </m:fName>
+                        <m:e>
+                          <m:sSub>
+                            <m:sSubPr>
+                              <m:ctrlPr>
+                                <a:rPr lang="en-US" sz="1800" i="1" kern="100">
+                                  <a:effectLst/>
+                                  <a:latin typeface="Cambria Math" panose="02040503050406030204" pitchFamily="18" charset="0"/>
+                                  <a:ea typeface="Calibri" panose="020F0502020204030204" pitchFamily="34" charset="0"/>
+                                  <a:cs typeface="Times New Roman" panose="02020603050405020304" pitchFamily="18" charset="0"/>
+                                </a:rPr>
+                              </m:ctrlPr>
+                            </m:sSubPr>
+                            <m:e>
+                              <m:r>
+                                <a:rPr lang="en-US" sz="1800" i="1" kern="100">
+                                  <a:effectLst/>
+                                  <a:latin typeface="Cambria Math" panose="02040503050406030204" pitchFamily="18" charset="0"/>
+                                  <a:ea typeface="Calibri" panose="020F0502020204030204" pitchFamily="34" charset="0"/>
+                                  <a:cs typeface="Times New Roman" panose="02020603050405020304" pitchFamily="18" charset="0"/>
+                                </a:rPr>
+                                <m:t>𝑝</m:t>
+                              </m:r>
+                            </m:e>
+                            <m:sub>
+                              <m:r>
+                                <a:rPr lang="en-US" sz="1800" i="1" kern="100">
+                                  <a:effectLst/>
+                                  <a:latin typeface="Cambria Math" panose="02040503050406030204" pitchFamily="18" charset="0"/>
+                                  <a:ea typeface="Calibri" panose="020F0502020204030204" pitchFamily="34" charset="0"/>
+                                  <a:cs typeface="Times New Roman" panose="02020603050405020304" pitchFamily="18" charset="0"/>
+                                </a:rPr>
+                                <m:t>𝑗</m:t>
+                              </m:r>
+                            </m:sub>
+                          </m:sSub>
+                        </m:e>
+                      </m:func>
+                    </m:oMath>
+                  </m:oMathPara>
+                </a14:m>
+                <a:endParaRPr lang="en-US" sz="1800" kern="100">
+                  <a:effectLst/>
+                  <a:latin typeface="Calibri" panose="020F0502020204030204" pitchFamily="34" charset="0"/>
+                  <a:ea typeface="Calibri" panose="020F0502020204030204" pitchFamily="34" charset="0"/>
+                  <a:cs typeface="Times New Roman" panose="02020603050405020304" pitchFamily="18" charset="0"/>
+                </a:endParaRPr>
+              </a:p>
+              <a:p>
+                <a:pPr marL="0" marR="0" indent="0">
+                  <a:spcBef>
+                    <a:spcPts val="0"/>
+                  </a:spcBef>
+                  <a:spcAft>
+                    <a:spcPts val="0"/>
+                  </a:spcAft>
+                  <a:buNone/>
+                </a:pPr>
+                <a:r>
+                  <a:rPr lang="en-US" sz="1800" kern="100">
+                    <a:effectLst/>
+                    <a:latin typeface="Calibri" panose="020F0502020204030204" pitchFamily="34" charset="0"/>
+                    <a:ea typeface="Calibri" panose="020F0502020204030204" pitchFamily="34" charset="0"/>
+                    <a:cs typeface="Times New Roman" panose="02020603050405020304" pitchFamily="18" charset="0"/>
+                  </a:rPr>
+                  <a:t>Trong đó:</a:t>
+                </a:r>
+              </a:p>
+              <a:p>
+                <a:pPr marL="342900" marR="0" lvl="0" indent="-342900">
+                  <a:spcBef>
+                    <a:spcPts val="0"/>
+                  </a:spcBef>
+                  <a:spcAft>
+                    <a:spcPts val="0"/>
+                  </a:spcAft>
+                  <a:buSzPts val="1000"/>
+                  <a:buFont typeface="Symbol" panose="05050102010706020507" pitchFamily="18" charset="2"/>
+                  <a:buChar char=""/>
+                  <a:tabLst>
+                    <a:tab pos="457200" algn="l"/>
+                  </a:tabLst>
+                </a:pPr>
+                <a:r>
+                  <a:rPr lang="en-US" sz="1800" i="1" kern="100">
+                    <a:effectLst/>
+                    <a:latin typeface="Calibri" panose="020F0502020204030204" pitchFamily="34" charset="0"/>
+                    <a:ea typeface="Calibri" panose="020F0502020204030204" pitchFamily="34" charset="0"/>
+                    <a:cs typeface="Times New Roman" panose="02020603050405020304" pitchFamily="18" charset="0"/>
+                  </a:rPr>
+                  <a:t>C</a:t>
+                </a:r>
+                <a:r>
+                  <a:rPr lang="en-US" sz="1800" kern="100">
+                    <a:effectLst/>
+                    <a:latin typeface="Calibri" panose="020F0502020204030204" pitchFamily="34" charset="0"/>
+                    <a:ea typeface="Calibri" panose="020F0502020204030204" pitchFamily="34" charset="0"/>
+                    <a:cs typeface="Times New Roman" panose="02020603050405020304" pitchFamily="18" charset="0"/>
+                  </a:rPr>
+                  <a:t> là số lớp trong hệ thống.</a:t>
+                </a:r>
+              </a:p>
+              <a:p>
+                <a:pPr marL="342900" marR="0" lvl="0" indent="-342900">
+                  <a:spcBef>
+                    <a:spcPts val="0"/>
+                  </a:spcBef>
+                  <a:spcAft>
+                    <a:spcPts val="0"/>
+                  </a:spcAft>
+                  <a:buSzPts val="1000"/>
+                  <a:buFont typeface="Symbol" panose="05050102010706020507" pitchFamily="18" charset="2"/>
+                  <a:buChar char=""/>
+                  <a:tabLst>
+                    <a:tab pos="457200" algn="l"/>
+                  </a:tabLst>
+                </a:pPr>
+                <a:r>
+                  <a:rPr lang="en-US" sz="1800" i="1" kern="100">
+                    <a:effectLst/>
+                    <a:latin typeface="Calibri" panose="020F0502020204030204" pitchFamily="34" charset="0"/>
+                    <a:ea typeface="Calibri" panose="020F0502020204030204" pitchFamily="34" charset="0"/>
+                    <a:cs typeface="Times New Roman" panose="02020603050405020304" pitchFamily="18" charset="0"/>
+                  </a:rPr>
+                  <a:t>pj</a:t>
+                </a:r>
+                <a:r>
+                  <a:rPr lang="en-US" sz="1800" kern="100">
+                    <a:effectLst/>
+                    <a:latin typeface="Calibri" panose="020F0502020204030204" pitchFamily="34" charset="0"/>
+                    <a:ea typeface="Calibri" panose="020F0502020204030204" pitchFamily="34" charset="0"/>
+                    <a:cs typeface="Times New Roman" panose="02020603050405020304" pitchFamily="18" charset="0"/>
+                  </a:rPr>
+                  <a:t>​ là tỷ lệ các ví dụ thuộc lớp </a:t>
+                </a:r>
+                <a:r>
+                  <a:rPr lang="en-US" sz="1800" i="1" kern="100">
+                    <a:effectLst/>
+                    <a:latin typeface="Calibri" panose="020F0502020204030204" pitchFamily="34" charset="0"/>
+                    <a:ea typeface="Calibri" panose="020F0502020204030204" pitchFamily="34" charset="0"/>
+                    <a:cs typeface="Times New Roman" panose="02020603050405020304" pitchFamily="18" charset="0"/>
+                  </a:rPr>
+                  <a:t>j</a:t>
+                </a:r>
+                <a:r>
+                  <a:rPr lang="en-US" sz="1800" kern="100">
+                    <a:effectLst/>
+                    <a:latin typeface="Calibri" panose="020F0502020204030204" pitchFamily="34" charset="0"/>
+                    <a:ea typeface="Calibri" panose="020F0502020204030204" pitchFamily="34" charset="0"/>
+                    <a:cs typeface="Times New Roman" panose="02020603050405020304" pitchFamily="18" charset="0"/>
+                  </a:rPr>
+                  <a:t> trong nút dữ liệu.</a:t>
+                </a:r>
+              </a:p>
+              <a:p>
+                <a:pPr marL="0" marR="0" indent="0">
+                  <a:spcBef>
+                    <a:spcPts val="0"/>
+                  </a:spcBef>
+                  <a:spcAft>
+                    <a:spcPts val="0"/>
+                  </a:spcAft>
+                  <a:buNone/>
+                </a:pPr>
+                <a:endParaRPr lang="en-US" sz="1800" kern="100">
+                  <a:effectLst/>
+                  <a:latin typeface="Calibri" panose="020F0502020204030204" pitchFamily="34" charset="0"/>
+                  <a:ea typeface="Calibri" panose="020F0502020204030204" pitchFamily="34" charset="0"/>
+                  <a:cs typeface="Times New Roman" panose="02020603050405020304" pitchFamily="18" charset="0"/>
+                </a:endParaRPr>
+              </a:p>
+              <a:p>
+                <a:pPr marL="0" marR="0" indent="0">
+                  <a:spcBef>
+                    <a:spcPts val="0"/>
+                  </a:spcBef>
+                  <a:spcAft>
+                    <a:spcPts val="0"/>
+                  </a:spcAft>
+                  <a:buNone/>
+                </a:pPr>
+                <a:r>
+                  <a:rPr lang="en-US" sz="1800" kern="100">
+                    <a:effectLst/>
+                    <a:latin typeface="Calibri" panose="020F0502020204030204" pitchFamily="34" charset="0"/>
+                    <a:ea typeface="Calibri" panose="020F0502020204030204" pitchFamily="34" charset="0"/>
+                    <a:cs typeface="Times New Roman" panose="02020603050405020304" pitchFamily="18" charset="0"/>
+                  </a:rPr>
+                  <a:t>Thuộc tính của entropy </a:t>
+                </a:r>
+                <a:r>
+                  <a:rPr lang="en-US" sz="1800" i="1" kern="100">
+                    <a:effectLst/>
+                    <a:latin typeface="Calibri" panose="020F0502020204030204" pitchFamily="34" charset="0"/>
+                    <a:ea typeface="Calibri" panose="020F0502020204030204" pitchFamily="34" charset="0"/>
+                    <a:cs typeface="Times New Roman" panose="02020603050405020304" pitchFamily="18" charset="0"/>
+                  </a:rPr>
+                  <a:t>S</a:t>
+                </a:r>
+                <a:r>
+                  <a:rPr lang="en-US" sz="1800" kern="100">
+                    <a:effectLst/>
+                    <a:latin typeface="Calibri" panose="020F0502020204030204" pitchFamily="34" charset="0"/>
+                    <a:ea typeface="Calibri" panose="020F0502020204030204" pitchFamily="34" charset="0"/>
+                    <a:cs typeface="Times New Roman" panose="02020603050405020304" pitchFamily="18" charset="0"/>
+                  </a:rPr>
+                  <a:t> (0≤</a:t>
+                </a:r>
+                <a:r>
+                  <a:rPr lang="en-US" sz="1800" i="1" kern="100">
+                    <a:effectLst/>
+                    <a:latin typeface="Calibri" panose="020F0502020204030204" pitchFamily="34" charset="0"/>
+                    <a:ea typeface="Calibri" panose="020F0502020204030204" pitchFamily="34" charset="0"/>
+                    <a:cs typeface="Times New Roman" panose="02020603050405020304" pitchFamily="18" charset="0"/>
+                  </a:rPr>
+                  <a:t>S</a:t>
+                </a:r>
+                <a:r>
+                  <a:rPr lang="en-US" sz="1800" kern="100">
+                    <a:effectLst/>
+                    <a:latin typeface="Calibri" panose="020F0502020204030204" pitchFamily="34" charset="0"/>
+                    <a:ea typeface="Calibri" panose="020F0502020204030204" pitchFamily="34" charset="0"/>
+                    <a:cs typeface="Times New Roman" panose="02020603050405020304" pitchFamily="18" charset="0"/>
+                  </a:rPr>
+                  <a:t>≤1)</a:t>
+                </a:r>
+              </a:p>
+              <a:p>
+                <a:pPr marL="342900" marR="0" lvl="0" indent="-342900">
+                  <a:spcBef>
+                    <a:spcPts val="0"/>
+                  </a:spcBef>
+                  <a:spcAft>
+                    <a:spcPts val="0"/>
+                  </a:spcAft>
+                  <a:buSzPts val="1000"/>
+                  <a:buFont typeface="Symbol" panose="05050102010706020507" pitchFamily="18" charset="2"/>
+                  <a:buChar char=""/>
+                  <a:tabLst>
+                    <a:tab pos="457200" algn="l"/>
+                  </a:tabLst>
+                </a:pPr>
+                <a:r>
+                  <a:rPr lang="en-US" sz="1800" i="1" kern="100">
+                    <a:effectLst/>
+                    <a:latin typeface="Calibri" panose="020F0502020204030204" pitchFamily="34" charset="0"/>
+                    <a:ea typeface="Calibri" panose="020F0502020204030204" pitchFamily="34" charset="0"/>
+                    <a:cs typeface="Times New Roman" panose="02020603050405020304" pitchFamily="18" charset="0"/>
+                  </a:rPr>
+                  <a:t>S</a:t>
+                </a:r>
+                <a:r>
+                  <a:rPr lang="en-US" sz="1800" kern="100">
+                    <a:effectLst/>
+                    <a:latin typeface="Calibri" panose="020F0502020204030204" pitchFamily="34" charset="0"/>
+                    <a:ea typeface="Calibri" panose="020F0502020204030204" pitchFamily="34" charset="0"/>
+                    <a:cs typeface="Times New Roman" panose="02020603050405020304" pitchFamily="18" charset="0"/>
+                  </a:rPr>
+                  <a:t>=0 khi tất cả các ví dụ trong tập dữ liệu thuộc chỉ một lớp.</a:t>
+                </a:r>
+              </a:p>
+              <a:p>
+                <a:pPr marL="342900" marR="0" lvl="0" indent="-342900">
+                  <a:spcBef>
+                    <a:spcPts val="0"/>
+                  </a:spcBef>
+                  <a:spcAft>
+                    <a:spcPts val="0"/>
+                  </a:spcAft>
+                  <a:buSzPts val="1000"/>
+                  <a:buFont typeface="Symbol" panose="05050102010706020507" pitchFamily="18" charset="2"/>
+                  <a:buChar char=""/>
+                  <a:tabLst>
+                    <a:tab pos="457200" algn="l"/>
+                  </a:tabLst>
+                </a:pPr>
+                <a:r>
+                  <a:rPr lang="en-US" sz="1800" i="1" kern="100">
+                    <a:effectLst/>
+                    <a:latin typeface="Calibri" panose="020F0502020204030204" pitchFamily="34" charset="0"/>
+                    <a:ea typeface="Calibri" panose="020F0502020204030204" pitchFamily="34" charset="0"/>
+                    <a:cs typeface="Times New Roman" panose="02020603050405020304" pitchFamily="18" charset="0"/>
+                  </a:rPr>
+                  <a:t>S</a:t>
+                </a:r>
+                <a:r>
+                  <a:rPr lang="en-US" sz="1800" kern="100">
+                    <a:effectLst/>
+                    <a:latin typeface="Calibri" panose="020F0502020204030204" pitchFamily="34" charset="0"/>
+                    <a:ea typeface="Calibri" panose="020F0502020204030204" pitchFamily="34" charset="0"/>
+                    <a:cs typeface="Times New Roman" panose="02020603050405020304" pitchFamily="18" charset="0"/>
+                  </a:rPr>
+                  <a:t>=1 khi số ví dụ trong mỗi lớp bằng nhau.</a:t>
+                </a:r>
+              </a:p>
+              <a:p>
+                <a:endParaRPr lang="en-US"/>
+              </a:p>
+            </p:txBody>
+          </p:sp>
+        </mc:Choice>
+        <mc:Fallback xmlns="">
+          <p:sp>
+            <p:nvSpPr>
+              <p:cNvPr id="3" name="Content Placeholder 2">
+                <a:extLst>
+                  <a:ext uri="{FF2B5EF4-FFF2-40B4-BE49-F238E27FC236}">
+                    <a16:creationId xmlns:a16="http://schemas.microsoft.com/office/drawing/2014/main" id="{22A0BF92-C43B-4EE5-D425-E9AD31BEC51B}"/>
+                  </a:ext>
+                </a:extLst>
+              </p:cNvPr>
+              <p:cNvSpPr>
+                <a:spLocks noGrp="1" noRot="1" noChangeAspect="1" noMove="1" noResize="1" noEditPoints="1" noAdjustHandles="1" noChangeArrowheads="1" noChangeShapeType="1" noTextEdit="1"/>
+              </p:cNvSpPr>
+              <p:nvPr>
+                <p:ph idx="1"/>
+              </p:nvPr>
+            </p:nvSpPr>
+            <p:spPr>
+              <a:blipFill>
+                <a:blip r:embed="rId2"/>
+                <a:stretch>
+                  <a:fillRect l="-522" t="-1261"/>
+                </a:stretch>
+              </a:blipFill>
+            </p:spPr>
+            <p:txBody>
+              <a:bodyPr/>
+              <a:lstStyle/>
+              <a:p>
+                <a:r>
+                  <a:rPr lang="en-US">
+                    <a:noFill/>
+                  </a:rPr>
+                  <a:t> </a:t>
+                </a:r>
+              </a:p>
+            </p:txBody>
+          </p:sp>
+        </mc:Fallback>
+      </mc:AlternateContent>
+    </p:spTree>
+    <p:extLst>
+      <p:ext uri="{BB962C8B-B14F-4D97-AF65-F5344CB8AC3E}">
+        <p14:creationId xmlns:p14="http://schemas.microsoft.com/office/powerpoint/2010/main" val="3055133640"/>
+      </p:ext>
+    </p:extLst>
+  </p:cSld>
+  <p:clrMapOvr>
+    <a:masterClrMapping/>
+  </p:clrMapOvr>
+</p:sld>
+</file>
+
+<file path=ppt/slides/slide15.xml><?xml version="1.0" encoding="utf-8"?>
+<p:sld xmlns:a="http://schemas.openxmlformats.org/drawingml/2006/main" xmlns:r="http://schemas.openxmlformats.org/officeDocument/2006/relationships" xmlns:p="http://schemas.openxmlformats.org/presentationml/2006/main">
+  <p:cSld>
+    <p:spTree>
+      <p:nvGrpSpPr>
+        <p:cNvPr id="1" name=""/>
+        <p:cNvGrpSpPr/>
+        <p:nvPr/>
+      </p:nvGrpSpPr>
+      <p:grpSpPr>
+        <a:xfrm>
+          <a:off x="0" y="0"/>
+          <a:ext cx="0" cy="0"/>
+          <a:chOff x="0" y="0"/>
+          <a:chExt cx="0" cy="0"/>
+        </a:xfrm>
+      </p:grpSpPr>
+      <p:sp>
+        <p:nvSpPr>
+          <p:cNvPr id="2" name="Title 1">
+            <a:extLst>
+              <a:ext uri="{FF2B5EF4-FFF2-40B4-BE49-F238E27FC236}">
+                <a16:creationId xmlns:a16="http://schemas.microsoft.com/office/drawing/2014/main" id="{88AFD69D-ABD3-1884-0D46-F1479A457D1C}"/>
+              </a:ext>
+            </a:extLst>
+          </p:cNvPr>
+          <p:cNvSpPr>
+            <a:spLocks noGrp="1"/>
+          </p:cNvSpPr>
+          <p:nvPr>
+            <p:ph type="title"/>
+          </p:nvPr>
+        </p:nvSpPr>
+        <p:spPr/>
+        <p:txBody>
+          <a:bodyPr/>
+          <a:lstStyle/>
+          <a:p>
+            <a:r>
+              <a:rPr lang="en-US"/>
+              <a:t>Federated Impurity</a:t>
+            </a:r>
+          </a:p>
+        </p:txBody>
+      </p:sp>
+      <mc:AlternateContent xmlns:mc="http://schemas.openxmlformats.org/markup-compatibility/2006" xmlns:a14="http://schemas.microsoft.com/office/drawing/2010/main">
+        <mc:Choice Requires="a14">
+          <p:sp>
+            <p:nvSpPr>
+              <p:cNvPr id="3" name="Content Placeholder 2">
+                <a:extLst>
+                  <a:ext uri="{FF2B5EF4-FFF2-40B4-BE49-F238E27FC236}">
+                    <a16:creationId xmlns:a16="http://schemas.microsoft.com/office/drawing/2014/main" id="{22A0BF92-C43B-4EE5-D425-E9AD31BEC51B}"/>
+                  </a:ext>
+                </a:extLst>
+              </p:cNvPr>
+              <p:cNvSpPr>
+                <a:spLocks noGrp="1"/>
+              </p:cNvSpPr>
+              <p:nvPr>
+                <p:ph idx="1"/>
+              </p:nvPr>
+            </p:nvSpPr>
+            <p:spPr/>
+            <p:txBody>
+              <a:bodyPr/>
+              <a:lstStyle/>
+              <a:p>
+                <a:pPr marL="0" marR="0" indent="0">
+                  <a:spcBef>
+                    <a:spcPts val="0"/>
+                  </a:spcBef>
+                  <a:spcAft>
+                    <a:spcPts val="0"/>
+                  </a:spcAft>
+                  <a:buNone/>
+                </a:pPr>
+                <a:r>
+                  <a:rPr lang="en-US" sz="1800" b="1" kern="100">
+                    <a:effectLst/>
+                    <a:latin typeface="Calibri" panose="020F0502020204030204" pitchFamily="34" charset="0"/>
+                    <a:ea typeface="Calibri" panose="020F0502020204030204" pitchFamily="34" charset="0"/>
+                    <a:cs typeface="Times New Roman" panose="02020603050405020304" pitchFamily="18" charset="0"/>
+                  </a:rPr>
+                  <a:t>Trọng số của mỗi nút đến quá trình tổng hợp toàn cầu</a:t>
+                </a:r>
+                <a:endParaRPr lang="en-US" sz="1800" kern="100">
+                  <a:effectLst/>
+                  <a:latin typeface="Calibri" panose="020F0502020204030204" pitchFamily="34" charset="0"/>
+                  <a:ea typeface="Calibri" panose="020F0502020204030204" pitchFamily="34" charset="0"/>
+                  <a:cs typeface="Times New Roman" panose="02020603050405020304" pitchFamily="18" charset="0"/>
+                </a:endParaRPr>
+              </a:p>
+              <a:p>
+                <a:pPr marL="0" marR="0" indent="0">
+                  <a:spcBef>
+                    <a:spcPts val="0"/>
+                  </a:spcBef>
+                  <a:spcAft>
+                    <a:spcPts val="0"/>
+                  </a:spcAft>
+                  <a:buNone/>
+                </a:pPr>
+                <a:r>
+                  <a:rPr lang="en-US" sz="1800" kern="100">
+                    <a:effectLst/>
+                    <a:latin typeface="Calibri" panose="020F0502020204030204" pitchFamily="34" charset="0"/>
+                    <a:ea typeface="Calibri" panose="020F0502020204030204" pitchFamily="34" charset="0"/>
+                    <a:cs typeface="Times New Roman" panose="02020603050405020304" pitchFamily="18" charset="0"/>
+                  </a:rPr>
+                  <a:t>Trọng số của mỗi nút đến quá trình tổng hợp toàn cầu </a:t>
+                </a:r>
+                <a:r>
+                  <a:rPr lang="en-US" sz="1800" i="1" kern="100">
+                    <a:effectLst/>
+                    <a:latin typeface="Calibri" panose="020F0502020204030204" pitchFamily="34" charset="0"/>
+                    <a:ea typeface="Calibri" panose="020F0502020204030204" pitchFamily="34" charset="0"/>
+                    <a:cs typeface="Times New Roman" panose="02020603050405020304" pitchFamily="18" charset="0"/>
+                  </a:rPr>
+                  <a:t>ψi</a:t>
+                </a:r>
+                <a:r>
+                  <a:rPr lang="en-US" sz="1800" kern="100">
+                    <a:effectLst/>
+                    <a:latin typeface="Calibri" panose="020F0502020204030204" pitchFamily="34" charset="0"/>
+                    <a:ea typeface="Calibri" panose="020F0502020204030204" pitchFamily="34" charset="0"/>
+                    <a:cs typeface="Times New Roman" panose="02020603050405020304" pitchFamily="18" charset="0"/>
+                  </a:rPr>
+                  <a:t>​(</a:t>
+                </a:r>
+                <a:r>
+                  <a:rPr lang="en-US" sz="1800" i="1" kern="100">
+                    <a:effectLst/>
+                    <a:latin typeface="Calibri" panose="020F0502020204030204" pitchFamily="34" charset="0"/>
+                    <a:ea typeface="Calibri" panose="020F0502020204030204" pitchFamily="34" charset="0"/>
+                    <a:cs typeface="Times New Roman" panose="02020603050405020304" pitchFamily="18" charset="0"/>
+                  </a:rPr>
+                  <a:t>t</a:t>
+                </a:r>
+                <a:r>
+                  <a:rPr lang="en-US" sz="1800" kern="100">
+                    <a:effectLst/>
+                    <a:latin typeface="Calibri" panose="020F0502020204030204" pitchFamily="34" charset="0"/>
+                    <a:ea typeface="Calibri" panose="020F0502020204030204" pitchFamily="34" charset="0"/>
+                    <a:cs typeface="Times New Roman" panose="02020603050405020304" pitchFamily="18" charset="0"/>
+                  </a:rPr>
+                  <a:t>) trong FedImp phụ thuộc cả vào kích thước tập huấn luyện của nút và độ không thuần khiết của nó. Công thức tính trọng số như sau:</a:t>
+                </a:r>
+              </a:p>
+              <a:p>
+                <a:pPr marL="0" marR="0" indent="0">
+                  <a:spcBef>
+                    <a:spcPts val="0"/>
+                  </a:spcBef>
+                  <a:spcAft>
+                    <a:spcPts val="0"/>
+                  </a:spcAft>
+                  <a:buNone/>
+                </a:pPr>
+                <a14:m>
+                  <m:oMathPara xmlns:m="http://schemas.openxmlformats.org/officeDocument/2006/math">
+                    <m:oMathParaPr>
+                      <m:jc m:val="centerGroup"/>
+                    </m:oMathParaPr>
+                    <m:oMath xmlns:m="http://schemas.openxmlformats.org/officeDocument/2006/math">
+                      <m:sSub>
+                        <m:sSubPr>
+                          <m:ctrlPr>
+                            <a:rPr lang="en-US" sz="1800" i="1" kern="100">
+                              <a:effectLst/>
+                              <a:latin typeface="Cambria Math" panose="02040503050406030204" pitchFamily="18" charset="0"/>
+                              <a:ea typeface="Calibri" panose="020F0502020204030204" pitchFamily="34" charset="0"/>
+                              <a:cs typeface="Times New Roman" panose="02020603050405020304" pitchFamily="18" charset="0"/>
+                            </a:rPr>
+                          </m:ctrlPr>
+                        </m:sSubPr>
+                        <m:e>
+                          <m:r>
+                            <m:rPr>
+                              <m:sty m:val="p"/>
+                            </m:rPr>
+                            <a:rPr lang="en-US" sz="1800" kern="100">
+                              <a:effectLst/>
+                              <a:latin typeface="Cambria Math" panose="02040503050406030204" pitchFamily="18" charset="0"/>
+                              <a:ea typeface="Calibri" panose="020F0502020204030204" pitchFamily="34" charset="0"/>
+                              <a:cs typeface="Times New Roman" panose="02020603050405020304" pitchFamily="18" charset="0"/>
+                            </a:rPr>
+                            <m:t>ψ</m:t>
+                          </m:r>
+                        </m:e>
+                        <m:sub>
+                          <m:r>
+                            <a:rPr lang="en-US" sz="1800" i="1" kern="100">
+                              <a:effectLst/>
+                              <a:latin typeface="Cambria Math" panose="02040503050406030204" pitchFamily="18" charset="0"/>
+                              <a:ea typeface="Calibri" panose="020F0502020204030204" pitchFamily="34" charset="0"/>
+                              <a:cs typeface="Times New Roman" panose="02020603050405020304" pitchFamily="18" charset="0"/>
+                            </a:rPr>
+                            <m:t>𝑖</m:t>
+                          </m:r>
+                        </m:sub>
+                      </m:sSub>
+                      <m:d>
+                        <m:dPr>
+                          <m:ctrlPr>
+                            <a:rPr lang="en-US" sz="1800" i="1" kern="100">
+                              <a:effectLst/>
+                              <a:latin typeface="Cambria Math" panose="02040503050406030204" pitchFamily="18" charset="0"/>
+                              <a:ea typeface="Calibri" panose="020F0502020204030204" pitchFamily="34" charset="0"/>
+                              <a:cs typeface="Times New Roman" panose="02020603050405020304" pitchFamily="18" charset="0"/>
+                            </a:rPr>
+                          </m:ctrlPr>
+                        </m:dPr>
+                        <m:e>
+                          <m:r>
+                            <a:rPr lang="en-US" sz="1800" i="1" kern="100">
+                              <a:effectLst/>
+                              <a:latin typeface="Cambria Math" panose="02040503050406030204" pitchFamily="18" charset="0"/>
+                              <a:ea typeface="Calibri" panose="020F0502020204030204" pitchFamily="34" charset="0"/>
+                              <a:cs typeface="Times New Roman" panose="02020603050405020304" pitchFamily="18" charset="0"/>
+                            </a:rPr>
+                            <m:t>𝑡</m:t>
+                          </m:r>
+                        </m:e>
+                      </m:d>
+                      <m:r>
+                        <a:rPr lang="en-US" sz="1800" i="1" kern="100">
+                          <a:effectLst/>
+                          <a:latin typeface="Cambria Math" panose="02040503050406030204" pitchFamily="18" charset="0"/>
+                          <a:ea typeface="Calibri" panose="020F0502020204030204" pitchFamily="34" charset="0"/>
+                          <a:cs typeface="Times New Roman" panose="02020603050405020304" pitchFamily="18" charset="0"/>
+                        </a:rPr>
+                        <m:t>=</m:t>
+                      </m:r>
+                      <m:f>
+                        <m:fPr>
+                          <m:ctrlPr>
+                            <a:rPr lang="en-US" sz="1800" i="1" kern="100">
+                              <a:effectLst/>
+                              <a:latin typeface="Cambria Math" panose="02040503050406030204" pitchFamily="18" charset="0"/>
+                              <a:ea typeface="Calibri" panose="020F0502020204030204" pitchFamily="34" charset="0"/>
+                              <a:cs typeface="Times New Roman" panose="02020603050405020304" pitchFamily="18" charset="0"/>
+                            </a:rPr>
+                          </m:ctrlPr>
+                        </m:fPr>
+                        <m:num>
+                          <m:sSub>
+                            <m:sSubPr>
+                              <m:ctrlPr>
+                                <a:rPr lang="en-US" sz="1800" i="1" kern="100">
+                                  <a:effectLst/>
+                                  <a:latin typeface="Cambria Math" panose="02040503050406030204" pitchFamily="18" charset="0"/>
+                                  <a:ea typeface="Calibri" panose="020F0502020204030204" pitchFamily="34" charset="0"/>
+                                  <a:cs typeface="Times New Roman" panose="02020603050405020304" pitchFamily="18" charset="0"/>
+                                </a:rPr>
+                              </m:ctrlPr>
+                            </m:sSubPr>
+                            <m:e>
+                              <m:r>
+                                <a:rPr lang="en-US" sz="1800" i="1" kern="100">
+                                  <a:effectLst/>
+                                  <a:latin typeface="Cambria Math" panose="02040503050406030204" pitchFamily="18" charset="0"/>
+                                  <a:ea typeface="Calibri" panose="020F0502020204030204" pitchFamily="34" charset="0"/>
+                                  <a:cs typeface="Times New Roman" panose="02020603050405020304" pitchFamily="18" charset="0"/>
+                                </a:rPr>
+                                <m:t>𝐷</m:t>
+                              </m:r>
+                            </m:e>
+                            <m:sub>
+                              <m:r>
+                                <a:rPr lang="en-US" sz="1800" i="1" kern="100">
+                                  <a:effectLst/>
+                                  <a:latin typeface="Cambria Math" panose="02040503050406030204" pitchFamily="18" charset="0"/>
+                                  <a:ea typeface="Calibri" panose="020F0502020204030204" pitchFamily="34" charset="0"/>
+                                  <a:cs typeface="Times New Roman" panose="02020603050405020304" pitchFamily="18" charset="0"/>
+                                </a:rPr>
+                                <m:t>𝑖</m:t>
+                              </m:r>
+                            </m:sub>
+                          </m:sSub>
+                          <m:sSup>
+                            <m:sSupPr>
+                              <m:ctrlPr>
+                                <a:rPr lang="en-US" sz="1800" i="1" kern="100">
+                                  <a:effectLst/>
+                                  <a:latin typeface="Cambria Math" panose="02040503050406030204" pitchFamily="18" charset="0"/>
+                                  <a:ea typeface="Calibri" panose="020F0502020204030204" pitchFamily="34" charset="0"/>
+                                  <a:cs typeface="Times New Roman" panose="02020603050405020304" pitchFamily="18" charset="0"/>
+                                </a:rPr>
+                              </m:ctrlPr>
+                            </m:sSupPr>
+                            <m:e>
+                              <m:r>
+                                <a:rPr lang="en-US" sz="1800" i="1" kern="100">
+                                  <a:effectLst/>
+                                  <a:latin typeface="Cambria Math" panose="02040503050406030204" pitchFamily="18" charset="0"/>
+                                  <a:ea typeface="Calibri" panose="020F0502020204030204" pitchFamily="34" charset="0"/>
+                                  <a:cs typeface="Times New Roman" panose="02020603050405020304" pitchFamily="18" charset="0"/>
+                                </a:rPr>
+                                <m:t>𝑒</m:t>
+                              </m:r>
+                            </m:e>
+                            <m:sup>
+                              <m:sSub>
+                                <m:sSubPr>
+                                  <m:ctrlPr>
+                                    <a:rPr lang="en-US" sz="1800" i="1" kern="100">
+                                      <a:effectLst/>
+                                      <a:latin typeface="Cambria Math" panose="02040503050406030204" pitchFamily="18" charset="0"/>
+                                      <a:ea typeface="Calibri" panose="020F0502020204030204" pitchFamily="34" charset="0"/>
+                                      <a:cs typeface="Times New Roman" panose="02020603050405020304" pitchFamily="18" charset="0"/>
+                                    </a:rPr>
+                                  </m:ctrlPr>
+                                </m:sSubPr>
+                                <m:e>
+                                  <m:r>
+                                    <a:rPr lang="en-US" sz="1800" i="1" kern="100">
+                                      <a:effectLst/>
+                                      <a:latin typeface="Cambria Math" panose="02040503050406030204" pitchFamily="18" charset="0"/>
+                                      <a:ea typeface="Calibri" panose="020F0502020204030204" pitchFamily="34" charset="0"/>
+                                      <a:cs typeface="Times New Roman" panose="02020603050405020304" pitchFamily="18" charset="0"/>
+                                    </a:rPr>
+                                    <m:t>𝑆</m:t>
+                                  </m:r>
+                                </m:e>
+                                <m:sub>
+                                  <m:r>
+                                    <a:rPr lang="en-US" sz="1800" i="1" kern="100">
+                                      <a:effectLst/>
+                                      <a:latin typeface="Cambria Math" panose="02040503050406030204" pitchFamily="18" charset="0"/>
+                                      <a:ea typeface="Calibri" panose="020F0502020204030204" pitchFamily="34" charset="0"/>
+                                      <a:cs typeface="Times New Roman" panose="02020603050405020304" pitchFamily="18" charset="0"/>
+                                    </a:rPr>
+                                    <m:t>𝑖</m:t>
+                                  </m:r>
+                                </m:sub>
+                              </m:sSub>
+                            </m:sup>
+                          </m:sSup>
+                        </m:num>
+                        <m:den>
+                          <m:nary>
+                            <m:naryPr>
+                              <m:chr m:val="∑"/>
+                              <m:ctrlPr>
+                                <a:rPr lang="en-US" sz="1800" i="1" kern="100">
+                                  <a:effectLst/>
+                                  <a:latin typeface="Cambria Math" panose="02040503050406030204" pitchFamily="18" charset="0"/>
+                                  <a:ea typeface="Calibri" panose="020F0502020204030204" pitchFamily="34" charset="0"/>
+                                  <a:cs typeface="Times New Roman" panose="02020603050405020304" pitchFamily="18" charset="0"/>
+                                </a:rPr>
+                              </m:ctrlPr>
+                            </m:naryPr>
+                            <m:sub>
+                              <m:sSup>
+                                <m:sSupPr>
+                                  <m:ctrlPr>
+                                    <a:rPr lang="en-US" sz="1800" i="1" kern="100">
+                                      <a:effectLst/>
+                                      <a:latin typeface="Cambria Math" panose="02040503050406030204" pitchFamily="18" charset="0"/>
+                                      <a:ea typeface="Calibri" panose="020F0502020204030204" pitchFamily="34" charset="0"/>
+                                      <a:cs typeface="Times New Roman" panose="02020603050405020304" pitchFamily="18" charset="0"/>
+                                    </a:rPr>
+                                  </m:ctrlPr>
+                                </m:sSupPr>
+                                <m:e>
+                                  <m:r>
+                                    <a:rPr lang="en-US" sz="1800" i="1" kern="100">
+                                      <a:effectLst/>
+                                      <a:latin typeface="Cambria Math" panose="02040503050406030204" pitchFamily="18" charset="0"/>
+                                      <a:ea typeface="Calibri" panose="020F0502020204030204" pitchFamily="34" charset="0"/>
+                                      <a:cs typeface="Times New Roman" panose="02020603050405020304" pitchFamily="18" charset="0"/>
+                                    </a:rPr>
+                                    <m:t>𝑖</m:t>
+                                  </m:r>
+                                </m:e>
+                                <m:sup>
+                                  <m:r>
+                                    <a:rPr lang="en-US" sz="1800" i="1" kern="100">
+                                      <a:effectLst/>
+                                      <a:latin typeface="Cambria Math" panose="02040503050406030204" pitchFamily="18" charset="0"/>
+                                      <a:ea typeface="Calibri" panose="020F0502020204030204" pitchFamily="34" charset="0"/>
+                                      <a:cs typeface="Times New Roman" panose="02020603050405020304" pitchFamily="18" charset="0"/>
+                                    </a:rPr>
+                                    <m:t>′</m:t>
+                                  </m:r>
+                                </m:sup>
+                              </m:sSup>
+                              <m:r>
+                                <a:rPr lang="en-US" sz="1800" i="1" kern="100">
+                                  <a:effectLst/>
+                                  <a:latin typeface="Cambria Math" panose="02040503050406030204" pitchFamily="18" charset="0"/>
+                                  <a:ea typeface="Calibri" panose="020F0502020204030204" pitchFamily="34" charset="0"/>
+                                  <a:cs typeface="Times New Roman" panose="02020603050405020304" pitchFamily="18" charset="0"/>
+                                </a:rPr>
+                                <m:t>=1</m:t>
+                              </m:r>
+                            </m:sub>
+                            <m:sup>
+                              <m:sSub>
+                                <m:sSubPr>
+                                  <m:ctrlPr>
+                                    <a:rPr lang="en-US" sz="1800" i="1" kern="100">
+                                      <a:effectLst/>
+                                      <a:latin typeface="Cambria Math" panose="02040503050406030204" pitchFamily="18" charset="0"/>
+                                      <a:ea typeface="Calibri" panose="020F0502020204030204" pitchFamily="34" charset="0"/>
+                                      <a:cs typeface="Times New Roman" panose="02020603050405020304" pitchFamily="18" charset="0"/>
+                                    </a:rPr>
+                                  </m:ctrlPr>
+                                </m:sSubPr>
+                                <m:e>
+                                  <m:r>
+                                    <a:rPr lang="en-US" sz="1800" i="1" kern="100">
+                                      <a:effectLst/>
+                                      <a:latin typeface="Cambria Math" panose="02040503050406030204" pitchFamily="18" charset="0"/>
+                                      <a:ea typeface="Calibri" panose="020F0502020204030204" pitchFamily="34" charset="0"/>
+                                      <a:cs typeface="Times New Roman" panose="02020603050405020304" pitchFamily="18" charset="0"/>
+                                    </a:rPr>
+                                    <m:t>𝑁</m:t>
+                                  </m:r>
+                                </m:e>
+                                <m:sub>
+                                  <m:r>
+                                    <a:rPr lang="en-US" sz="1800" i="1" kern="100">
+                                      <a:effectLst/>
+                                      <a:latin typeface="Cambria Math" panose="02040503050406030204" pitchFamily="18" charset="0"/>
+                                      <a:ea typeface="Calibri" panose="020F0502020204030204" pitchFamily="34" charset="0"/>
+                                      <a:cs typeface="Times New Roman" panose="02020603050405020304" pitchFamily="18" charset="0"/>
+                                    </a:rPr>
+                                    <m:t>𝑡</m:t>
+                                  </m:r>
+                                </m:sub>
+                              </m:sSub>
+                            </m:sup>
+                            <m:e>
+                              <m:sSub>
+                                <m:sSubPr>
+                                  <m:ctrlPr>
+                                    <a:rPr lang="en-US" sz="1800" i="1" kern="100">
+                                      <a:effectLst/>
+                                      <a:latin typeface="Cambria Math" panose="02040503050406030204" pitchFamily="18" charset="0"/>
+                                      <a:ea typeface="Calibri" panose="020F0502020204030204" pitchFamily="34" charset="0"/>
+                                      <a:cs typeface="Times New Roman" panose="02020603050405020304" pitchFamily="18" charset="0"/>
+                                    </a:rPr>
+                                  </m:ctrlPr>
+                                </m:sSubPr>
+                                <m:e>
+                                  <m:r>
+                                    <a:rPr lang="en-US" sz="1800" i="1" kern="100">
+                                      <a:effectLst/>
+                                      <a:latin typeface="Cambria Math" panose="02040503050406030204" pitchFamily="18" charset="0"/>
+                                      <a:ea typeface="Calibri" panose="020F0502020204030204" pitchFamily="34" charset="0"/>
+                                      <a:cs typeface="Times New Roman" panose="02020603050405020304" pitchFamily="18" charset="0"/>
+                                    </a:rPr>
+                                    <m:t>𝐷</m:t>
+                                  </m:r>
+                                </m:e>
+                                <m:sub>
+                                  <m:sSup>
+                                    <m:sSupPr>
+                                      <m:ctrlPr>
+                                        <a:rPr lang="en-US" sz="1800" i="1" kern="100">
+                                          <a:effectLst/>
+                                          <a:latin typeface="Cambria Math" panose="02040503050406030204" pitchFamily="18" charset="0"/>
+                                          <a:ea typeface="Calibri" panose="020F0502020204030204" pitchFamily="34" charset="0"/>
+                                          <a:cs typeface="Times New Roman" panose="02020603050405020304" pitchFamily="18" charset="0"/>
+                                        </a:rPr>
+                                      </m:ctrlPr>
+                                    </m:sSupPr>
+                                    <m:e>
+                                      <m:r>
+                                        <a:rPr lang="en-US" sz="1800" i="1" kern="100">
+                                          <a:effectLst/>
+                                          <a:latin typeface="Cambria Math" panose="02040503050406030204" pitchFamily="18" charset="0"/>
+                                          <a:ea typeface="Calibri" panose="020F0502020204030204" pitchFamily="34" charset="0"/>
+                                          <a:cs typeface="Times New Roman" panose="02020603050405020304" pitchFamily="18" charset="0"/>
+                                        </a:rPr>
+                                        <m:t>𝑖</m:t>
+                                      </m:r>
+                                    </m:e>
+                                    <m:sup>
+                                      <m:r>
+                                        <a:rPr lang="en-US" sz="1800" i="1" kern="100">
+                                          <a:effectLst/>
+                                          <a:latin typeface="Cambria Math" panose="02040503050406030204" pitchFamily="18" charset="0"/>
+                                          <a:ea typeface="Calibri" panose="020F0502020204030204" pitchFamily="34" charset="0"/>
+                                          <a:cs typeface="Times New Roman" panose="02020603050405020304" pitchFamily="18" charset="0"/>
+                                        </a:rPr>
+                                        <m:t>′</m:t>
+                                      </m:r>
+                                    </m:sup>
+                                  </m:sSup>
+                                </m:sub>
+                              </m:sSub>
+                              <m:sSup>
+                                <m:sSupPr>
+                                  <m:ctrlPr>
+                                    <a:rPr lang="en-US" sz="1800" i="1" kern="100">
+                                      <a:effectLst/>
+                                      <a:latin typeface="Cambria Math" panose="02040503050406030204" pitchFamily="18" charset="0"/>
+                                      <a:ea typeface="Calibri" panose="020F0502020204030204" pitchFamily="34" charset="0"/>
+                                      <a:cs typeface="Times New Roman" panose="02020603050405020304" pitchFamily="18" charset="0"/>
+                                    </a:rPr>
+                                  </m:ctrlPr>
+                                </m:sSupPr>
+                                <m:e>
+                                  <m:r>
+                                    <a:rPr lang="en-US" sz="1800" i="1" kern="100">
+                                      <a:effectLst/>
+                                      <a:latin typeface="Cambria Math" panose="02040503050406030204" pitchFamily="18" charset="0"/>
+                                      <a:ea typeface="Calibri" panose="020F0502020204030204" pitchFamily="34" charset="0"/>
+                                      <a:cs typeface="Times New Roman" panose="02020603050405020304" pitchFamily="18" charset="0"/>
+                                    </a:rPr>
+                                    <m:t>𝑒</m:t>
+                                  </m:r>
+                                </m:e>
+                                <m:sup>
+                                  <m:sSub>
+                                    <m:sSubPr>
+                                      <m:ctrlPr>
+                                        <a:rPr lang="en-US" sz="1800" i="1" kern="100">
+                                          <a:effectLst/>
+                                          <a:latin typeface="Cambria Math" panose="02040503050406030204" pitchFamily="18" charset="0"/>
+                                          <a:ea typeface="Calibri" panose="020F0502020204030204" pitchFamily="34" charset="0"/>
+                                          <a:cs typeface="Times New Roman" panose="02020603050405020304" pitchFamily="18" charset="0"/>
+                                        </a:rPr>
+                                      </m:ctrlPr>
+                                    </m:sSubPr>
+                                    <m:e>
+                                      <m:r>
+                                        <a:rPr lang="en-US" sz="1800" i="1" kern="100">
+                                          <a:effectLst/>
+                                          <a:latin typeface="Cambria Math" panose="02040503050406030204" pitchFamily="18" charset="0"/>
+                                          <a:ea typeface="Calibri" panose="020F0502020204030204" pitchFamily="34" charset="0"/>
+                                          <a:cs typeface="Times New Roman" panose="02020603050405020304" pitchFamily="18" charset="0"/>
+                                        </a:rPr>
+                                        <m:t>𝑆</m:t>
+                                      </m:r>
+                                    </m:e>
+                                    <m:sub>
+                                      <m:sSup>
+                                        <m:sSupPr>
+                                          <m:ctrlPr>
+                                            <a:rPr lang="en-US" sz="1800" i="1" kern="100">
+                                              <a:effectLst/>
+                                              <a:latin typeface="Cambria Math" panose="02040503050406030204" pitchFamily="18" charset="0"/>
+                                              <a:ea typeface="Calibri" panose="020F0502020204030204" pitchFamily="34" charset="0"/>
+                                              <a:cs typeface="Times New Roman" panose="02020603050405020304" pitchFamily="18" charset="0"/>
+                                            </a:rPr>
+                                          </m:ctrlPr>
+                                        </m:sSupPr>
+                                        <m:e>
+                                          <m:r>
+                                            <a:rPr lang="en-US" sz="1800" i="1" kern="100">
+                                              <a:effectLst/>
+                                              <a:latin typeface="Cambria Math" panose="02040503050406030204" pitchFamily="18" charset="0"/>
+                                              <a:ea typeface="Calibri" panose="020F0502020204030204" pitchFamily="34" charset="0"/>
+                                              <a:cs typeface="Times New Roman" panose="02020603050405020304" pitchFamily="18" charset="0"/>
+                                            </a:rPr>
+                                            <m:t>𝑖</m:t>
+                                          </m:r>
+                                        </m:e>
+                                        <m:sup>
+                                          <m:r>
+                                            <a:rPr lang="en-US" sz="1800" i="1" kern="100">
+                                              <a:effectLst/>
+                                              <a:latin typeface="Cambria Math" panose="02040503050406030204" pitchFamily="18" charset="0"/>
+                                              <a:ea typeface="Calibri" panose="020F0502020204030204" pitchFamily="34" charset="0"/>
+                                              <a:cs typeface="Times New Roman" panose="02020603050405020304" pitchFamily="18" charset="0"/>
+                                            </a:rPr>
+                                            <m:t>′</m:t>
+                                          </m:r>
+                                        </m:sup>
+                                      </m:sSup>
+                                    </m:sub>
+                                  </m:sSub>
+                                </m:sup>
+                              </m:sSup>
+                            </m:e>
+                          </m:nary>
+                        </m:den>
+                      </m:f>
+                    </m:oMath>
+                  </m:oMathPara>
+                </a14:m>
+                <a:endParaRPr lang="en-US" sz="1800" kern="100">
+                  <a:effectLst/>
+                  <a:latin typeface="Calibri" panose="020F0502020204030204" pitchFamily="34" charset="0"/>
+                  <a:ea typeface="Calibri" panose="020F0502020204030204" pitchFamily="34" charset="0"/>
+                  <a:cs typeface="Times New Roman" panose="02020603050405020304" pitchFamily="18" charset="0"/>
+                </a:endParaRPr>
+              </a:p>
+              <a:p>
+                <a:pPr marL="0" marR="0" indent="0">
+                  <a:spcBef>
+                    <a:spcPts val="0"/>
+                  </a:spcBef>
+                  <a:spcAft>
+                    <a:spcPts val="0"/>
+                  </a:spcAft>
+                  <a:buNone/>
+                </a:pPr>
+                <a:r>
+                  <a:rPr lang="en-US" sz="1800" kern="100">
+                    <a:effectLst/>
+                    <a:latin typeface="Calibri" panose="020F0502020204030204" pitchFamily="34" charset="0"/>
+                    <a:ea typeface="Calibri" panose="020F0502020204030204" pitchFamily="34" charset="0"/>
+                    <a:cs typeface="Times New Roman" panose="02020603050405020304" pitchFamily="18" charset="0"/>
+                  </a:rPr>
+                  <a:t>Trong đó:</a:t>
+                </a:r>
+              </a:p>
+              <a:p>
+                <a:pPr marL="342900" marR="0" lvl="0" indent="-342900">
+                  <a:spcBef>
+                    <a:spcPts val="0"/>
+                  </a:spcBef>
+                  <a:spcAft>
+                    <a:spcPts val="0"/>
+                  </a:spcAft>
+                  <a:buSzPts val="1000"/>
+                  <a:buFont typeface="Symbol" panose="05050102010706020507" pitchFamily="18" charset="2"/>
+                  <a:buChar char=""/>
+                  <a:tabLst>
+                    <a:tab pos="457200" algn="l"/>
+                  </a:tabLst>
+                </a:pPr>
+                <a:r>
+                  <a:rPr lang="en-US" sz="1800" i="1" kern="100">
+                    <a:effectLst/>
+                    <a:latin typeface="Calibri" panose="020F0502020204030204" pitchFamily="34" charset="0"/>
+                    <a:ea typeface="Calibri" panose="020F0502020204030204" pitchFamily="34" charset="0"/>
+                    <a:cs typeface="Times New Roman" panose="02020603050405020304" pitchFamily="18" charset="0"/>
+                  </a:rPr>
+                  <a:t>Di</a:t>
+                </a:r>
+                <a:r>
+                  <a:rPr lang="en-US" sz="1800" kern="100">
+                    <a:effectLst/>
+                    <a:latin typeface="Calibri" panose="020F0502020204030204" pitchFamily="34" charset="0"/>
+                    <a:ea typeface="Calibri" panose="020F0502020204030204" pitchFamily="34" charset="0"/>
+                    <a:cs typeface="Times New Roman" panose="02020603050405020304" pitchFamily="18" charset="0"/>
+                  </a:rPr>
+                  <a:t>​ là số lượng mẫu huấn luyện trên nút </a:t>
+                </a:r>
+                <a:r>
+                  <a:rPr lang="en-US" sz="1800" i="1" kern="100">
+                    <a:effectLst/>
+                    <a:latin typeface="Calibri" panose="020F0502020204030204" pitchFamily="34" charset="0"/>
+                    <a:ea typeface="Calibri" panose="020F0502020204030204" pitchFamily="34" charset="0"/>
+                    <a:cs typeface="Times New Roman" panose="02020603050405020304" pitchFamily="18" charset="0"/>
+                  </a:rPr>
+                  <a:t>i</a:t>
+                </a:r>
+                <a:r>
+                  <a:rPr lang="en-US" sz="1800" kern="100">
+                    <a:effectLst/>
+                    <a:latin typeface="Calibri" panose="020F0502020204030204" pitchFamily="34" charset="0"/>
+                    <a:ea typeface="Calibri" panose="020F0502020204030204" pitchFamily="34" charset="0"/>
+                    <a:cs typeface="Times New Roman" panose="02020603050405020304" pitchFamily="18" charset="0"/>
+                  </a:rPr>
+                  <a:t>.</a:t>
+                </a:r>
+              </a:p>
+              <a:p>
+                <a:pPr marL="342900" marR="0" lvl="0" indent="-342900">
+                  <a:spcBef>
+                    <a:spcPts val="0"/>
+                  </a:spcBef>
+                  <a:spcAft>
+                    <a:spcPts val="0"/>
+                  </a:spcAft>
+                  <a:buSzPts val="1000"/>
+                  <a:buFont typeface="Symbol" panose="05050102010706020507" pitchFamily="18" charset="2"/>
+                  <a:buChar char=""/>
+                  <a:tabLst>
+                    <a:tab pos="457200" algn="l"/>
+                  </a:tabLst>
+                </a:pPr>
+                <a:r>
+                  <a:rPr lang="en-US" sz="1800" i="1" kern="100">
+                    <a:effectLst/>
+                    <a:latin typeface="Calibri" panose="020F0502020204030204" pitchFamily="34" charset="0"/>
+                    <a:ea typeface="Calibri" panose="020F0502020204030204" pitchFamily="34" charset="0"/>
+                    <a:cs typeface="Times New Roman" panose="02020603050405020304" pitchFamily="18" charset="0"/>
+                  </a:rPr>
+                  <a:t>Si</a:t>
+                </a:r>
+                <a:r>
+                  <a:rPr lang="en-US" sz="1800" kern="100">
+                    <a:effectLst/>
+                    <a:latin typeface="Calibri" panose="020F0502020204030204" pitchFamily="34" charset="0"/>
+                    <a:ea typeface="Calibri" panose="020F0502020204030204" pitchFamily="34" charset="0"/>
+                    <a:cs typeface="Times New Roman" panose="02020603050405020304" pitchFamily="18" charset="0"/>
+                  </a:rPr>
+                  <a:t>​ là entropy của nút </a:t>
+                </a:r>
+                <a:r>
+                  <a:rPr lang="en-US" sz="1800" i="1" kern="100">
+                    <a:effectLst/>
+                    <a:latin typeface="Calibri" panose="020F0502020204030204" pitchFamily="34" charset="0"/>
+                    <a:ea typeface="Calibri" panose="020F0502020204030204" pitchFamily="34" charset="0"/>
+                    <a:cs typeface="Times New Roman" panose="02020603050405020304" pitchFamily="18" charset="0"/>
+                  </a:rPr>
+                  <a:t>i</a:t>
+                </a:r>
+                <a:r>
+                  <a:rPr lang="en-US" sz="1800" kern="100">
+                    <a:effectLst/>
+                    <a:latin typeface="Calibri" panose="020F0502020204030204" pitchFamily="34" charset="0"/>
+                    <a:ea typeface="Calibri" panose="020F0502020204030204" pitchFamily="34" charset="0"/>
+                    <a:cs typeface="Times New Roman" panose="02020603050405020304" pitchFamily="18" charset="0"/>
+                  </a:rPr>
+                  <a:t>.</a:t>
+                </a:r>
+              </a:p>
+              <a:p>
+                <a:pPr marL="342900" marR="0" lvl="0" indent="-342900">
+                  <a:spcBef>
+                    <a:spcPts val="0"/>
+                  </a:spcBef>
+                  <a:spcAft>
+                    <a:spcPts val="0"/>
+                  </a:spcAft>
+                  <a:buSzPts val="1000"/>
+                  <a:buFont typeface="Symbol" panose="05050102010706020507" pitchFamily="18" charset="2"/>
+                  <a:buChar char=""/>
+                  <a:tabLst>
+                    <a:tab pos="457200" algn="l"/>
+                  </a:tabLst>
+                </a:pPr>
+                <a:r>
+                  <a:rPr lang="en-US" sz="1800" i="1" kern="100">
+                    <a:effectLst/>
+                    <a:latin typeface="Calibri" panose="020F0502020204030204" pitchFamily="34" charset="0"/>
+                    <a:ea typeface="Calibri" panose="020F0502020204030204" pitchFamily="34" charset="0"/>
+                    <a:cs typeface="Times New Roman" panose="02020603050405020304" pitchFamily="18" charset="0"/>
+                  </a:rPr>
+                  <a:t>Nt</a:t>
+                </a:r>
+                <a:r>
+                  <a:rPr lang="en-US" sz="1800" kern="100">
+                    <a:effectLst/>
+                    <a:latin typeface="Calibri" panose="020F0502020204030204" pitchFamily="34" charset="0"/>
+                    <a:ea typeface="Calibri" panose="020F0502020204030204" pitchFamily="34" charset="0"/>
+                    <a:cs typeface="Times New Roman" panose="02020603050405020304" pitchFamily="18" charset="0"/>
+                  </a:rPr>
+                  <a:t>​ là số lượng nút tham gia vào vòng lặp </a:t>
+                </a:r>
+                <a:r>
+                  <a:rPr lang="en-US" sz="1800" i="1" kern="100">
+                    <a:effectLst/>
+                    <a:latin typeface="Calibri" panose="020F0502020204030204" pitchFamily="34" charset="0"/>
+                    <a:ea typeface="Calibri" panose="020F0502020204030204" pitchFamily="34" charset="0"/>
+                    <a:cs typeface="Times New Roman" panose="02020603050405020304" pitchFamily="18" charset="0"/>
+                  </a:rPr>
+                  <a:t>t</a:t>
+                </a:r>
+                <a:r>
+                  <a:rPr lang="en-US" sz="1800" kern="100">
+                    <a:effectLst/>
+                    <a:latin typeface="Calibri" panose="020F0502020204030204" pitchFamily="34" charset="0"/>
+                    <a:ea typeface="Calibri" panose="020F0502020204030204" pitchFamily="34" charset="0"/>
+                    <a:cs typeface="Times New Roman" panose="02020603050405020304" pitchFamily="18" charset="0"/>
+                  </a:rPr>
+                  <a:t>.</a:t>
+                </a:r>
+              </a:p>
+              <a:p>
+                <a:pPr marL="0" marR="0" indent="0">
+                  <a:spcBef>
+                    <a:spcPts val="0"/>
+                  </a:spcBef>
+                  <a:spcAft>
+                    <a:spcPts val="0"/>
+                  </a:spcAft>
+                  <a:buNone/>
+                </a:pPr>
+                <a:endParaRPr lang="en-US" sz="1800" b="1" kern="100">
+                  <a:effectLst/>
+                  <a:latin typeface="Calibri" panose="020F0502020204030204" pitchFamily="34" charset="0"/>
+                  <a:ea typeface="Calibri" panose="020F0502020204030204" pitchFamily="34" charset="0"/>
+                  <a:cs typeface="Times New Roman" panose="02020603050405020304" pitchFamily="18" charset="0"/>
+                </a:endParaRPr>
+              </a:p>
+              <a:p>
+                <a:pPr marL="0" marR="0" indent="0">
+                  <a:spcBef>
+                    <a:spcPts val="0"/>
+                  </a:spcBef>
+                  <a:spcAft>
+                    <a:spcPts val="0"/>
+                  </a:spcAft>
+                  <a:buNone/>
+                </a:pPr>
+                <a:r>
+                  <a:rPr lang="en-US" sz="1800" b="1" kern="100">
+                    <a:effectLst/>
+                    <a:latin typeface="Calibri" panose="020F0502020204030204" pitchFamily="34" charset="0"/>
+                    <a:ea typeface="Calibri" panose="020F0502020204030204" pitchFamily="34" charset="0"/>
+                    <a:cs typeface="Times New Roman" panose="02020603050405020304" pitchFamily="18" charset="0"/>
+                  </a:rPr>
+                  <a:t>Cập nhật mô hình toàn cầu</a:t>
+                </a:r>
+                <a:endParaRPr lang="en-US" sz="1800" kern="100">
+                  <a:effectLst/>
+                  <a:latin typeface="Calibri" panose="020F0502020204030204" pitchFamily="34" charset="0"/>
+                  <a:ea typeface="Calibri" panose="020F0502020204030204" pitchFamily="34" charset="0"/>
+                  <a:cs typeface="Times New Roman" panose="02020603050405020304" pitchFamily="18" charset="0"/>
+                </a:endParaRPr>
+              </a:p>
+              <a:p>
+                <a:pPr marL="0" marR="0">
+                  <a:spcBef>
+                    <a:spcPts val="0"/>
+                  </a:spcBef>
+                  <a:spcAft>
+                    <a:spcPts val="0"/>
+                  </a:spcAft>
+                </a:pPr>
+                <a14:m>
+                  <m:oMath xmlns:m="http://schemas.openxmlformats.org/officeDocument/2006/math">
+                    <m:r>
+                      <a:rPr lang="en-US" sz="1800" i="1" kern="100">
+                        <a:effectLst/>
+                        <a:latin typeface="Cambria Math" panose="02040503050406030204" pitchFamily="18" charset="0"/>
+                        <a:ea typeface="Calibri" panose="020F0502020204030204" pitchFamily="34" charset="0"/>
+                        <a:cs typeface="Times New Roman" panose="02020603050405020304" pitchFamily="18" charset="0"/>
+                      </a:rPr>
+                      <m:t>𝑤</m:t>
+                    </m:r>
+                    <m:d>
+                      <m:dPr>
+                        <m:ctrlPr>
+                          <a:rPr lang="en-US" sz="1800" i="1" kern="100">
+                            <a:effectLst/>
+                            <a:latin typeface="Cambria Math" panose="02040503050406030204" pitchFamily="18" charset="0"/>
+                            <a:ea typeface="Calibri" panose="020F0502020204030204" pitchFamily="34" charset="0"/>
+                            <a:cs typeface="Times New Roman" panose="02020603050405020304" pitchFamily="18" charset="0"/>
+                          </a:rPr>
+                        </m:ctrlPr>
+                      </m:dPr>
+                      <m:e>
+                        <m:r>
+                          <a:rPr lang="en-US" sz="1800" i="1" kern="100">
+                            <a:effectLst/>
+                            <a:latin typeface="Cambria Math" panose="02040503050406030204" pitchFamily="18" charset="0"/>
+                            <a:ea typeface="Calibri" panose="020F0502020204030204" pitchFamily="34" charset="0"/>
+                            <a:cs typeface="Times New Roman" panose="02020603050405020304" pitchFamily="18" charset="0"/>
+                          </a:rPr>
+                          <m:t>𝑡</m:t>
+                        </m:r>
+                      </m:e>
+                    </m:d>
+                    <m:r>
+                      <a:rPr lang="en-US" sz="1800" i="1" kern="100">
+                        <a:effectLst/>
+                        <a:latin typeface="Cambria Math" panose="02040503050406030204" pitchFamily="18" charset="0"/>
+                        <a:ea typeface="Calibri" panose="020F0502020204030204" pitchFamily="34" charset="0"/>
+                        <a:cs typeface="Times New Roman" panose="02020603050405020304" pitchFamily="18" charset="0"/>
+                      </a:rPr>
+                      <m:t>=</m:t>
+                    </m:r>
+                    <m:nary>
+                      <m:naryPr>
+                        <m:chr m:val="∑"/>
+                        <m:ctrlPr>
+                          <a:rPr lang="en-US" sz="1800" i="1" kern="100">
+                            <a:effectLst/>
+                            <a:latin typeface="Cambria Math" panose="02040503050406030204" pitchFamily="18" charset="0"/>
+                            <a:ea typeface="Calibri" panose="020F0502020204030204" pitchFamily="34" charset="0"/>
+                            <a:cs typeface="Times New Roman" panose="02020603050405020304" pitchFamily="18" charset="0"/>
+                          </a:rPr>
+                        </m:ctrlPr>
+                      </m:naryPr>
+                      <m:sub>
+                        <m:r>
+                          <a:rPr lang="en-US" sz="1800" i="1" kern="100">
+                            <a:effectLst/>
+                            <a:latin typeface="Cambria Math" panose="02040503050406030204" pitchFamily="18" charset="0"/>
+                            <a:ea typeface="Calibri" panose="020F0502020204030204" pitchFamily="34" charset="0"/>
+                            <a:cs typeface="Times New Roman" panose="02020603050405020304" pitchFamily="18" charset="0"/>
+                          </a:rPr>
+                          <m:t>𝑖</m:t>
+                        </m:r>
+                        <m:r>
+                          <a:rPr lang="en-US" sz="1800" i="1" kern="100">
+                            <a:effectLst/>
+                            <a:latin typeface="Cambria Math" panose="02040503050406030204" pitchFamily="18" charset="0"/>
+                            <a:ea typeface="Calibri" panose="020F0502020204030204" pitchFamily="34" charset="0"/>
+                            <a:cs typeface="Times New Roman" panose="02020603050405020304" pitchFamily="18" charset="0"/>
+                          </a:rPr>
+                          <m:t>=1</m:t>
+                        </m:r>
+                      </m:sub>
+                      <m:sup>
+                        <m:sSub>
+                          <m:sSubPr>
+                            <m:ctrlPr>
+                              <a:rPr lang="en-US" sz="1800" i="1" kern="100">
+                                <a:effectLst/>
+                                <a:latin typeface="Cambria Math" panose="02040503050406030204" pitchFamily="18" charset="0"/>
+                                <a:ea typeface="Calibri" panose="020F0502020204030204" pitchFamily="34" charset="0"/>
+                                <a:cs typeface="Times New Roman" panose="02020603050405020304" pitchFamily="18" charset="0"/>
+                              </a:rPr>
+                            </m:ctrlPr>
+                          </m:sSubPr>
+                          <m:e>
+                            <m:r>
+                              <a:rPr lang="en-US" sz="1800" i="1" kern="100">
+                                <a:effectLst/>
+                                <a:latin typeface="Cambria Math" panose="02040503050406030204" pitchFamily="18" charset="0"/>
+                                <a:ea typeface="Calibri" panose="020F0502020204030204" pitchFamily="34" charset="0"/>
+                                <a:cs typeface="Times New Roman" panose="02020603050405020304" pitchFamily="18" charset="0"/>
+                              </a:rPr>
+                              <m:t>𝑁</m:t>
+                            </m:r>
+                          </m:e>
+                          <m:sub>
+                            <m:r>
+                              <a:rPr lang="en-US" sz="1800" i="1" kern="100">
+                                <a:effectLst/>
+                                <a:latin typeface="Cambria Math" panose="02040503050406030204" pitchFamily="18" charset="0"/>
+                                <a:ea typeface="Calibri" panose="020F0502020204030204" pitchFamily="34" charset="0"/>
+                                <a:cs typeface="Times New Roman" panose="02020603050405020304" pitchFamily="18" charset="0"/>
+                              </a:rPr>
+                              <m:t>𝑡</m:t>
+                            </m:r>
+                          </m:sub>
+                        </m:sSub>
+                      </m:sup>
+                      <m:e>
+                        <m:f>
+                          <m:fPr>
+                            <m:ctrlPr>
+                              <a:rPr lang="en-US" sz="1800" i="1" kern="100">
+                                <a:effectLst/>
+                                <a:latin typeface="Cambria Math" panose="02040503050406030204" pitchFamily="18" charset="0"/>
+                                <a:ea typeface="Calibri" panose="020F0502020204030204" pitchFamily="34" charset="0"/>
+                                <a:cs typeface="Times New Roman" panose="02020603050405020304" pitchFamily="18" charset="0"/>
+                              </a:rPr>
+                            </m:ctrlPr>
+                          </m:fPr>
+                          <m:num>
+                            <m:r>
+                              <a:rPr lang="en-US" sz="1800" i="1" kern="100">
+                                <a:effectLst/>
+                                <a:latin typeface="Cambria Math" panose="02040503050406030204" pitchFamily="18" charset="0"/>
+                                <a:ea typeface="Calibri" panose="020F0502020204030204" pitchFamily="34" charset="0"/>
+                                <a:cs typeface="Times New Roman" panose="02020603050405020304" pitchFamily="18" charset="0"/>
+                              </a:rPr>
+                              <m:t>1</m:t>
+                            </m:r>
+                          </m:num>
+                          <m:den>
+                            <m:sSub>
+                              <m:sSubPr>
+                                <m:ctrlPr>
+                                  <a:rPr lang="en-US" sz="1800" i="1" kern="100">
+                                    <a:effectLst/>
+                                    <a:latin typeface="Cambria Math" panose="02040503050406030204" pitchFamily="18" charset="0"/>
+                                    <a:ea typeface="Calibri" panose="020F0502020204030204" pitchFamily="34" charset="0"/>
+                                    <a:cs typeface="Times New Roman" panose="02020603050405020304" pitchFamily="18" charset="0"/>
+                                  </a:rPr>
+                                </m:ctrlPr>
+                              </m:sSubPr>
+                              <m:e>
+                                <m:r>
+                                  <m:rPr>
+                                    <m:sty m:val="p"/>
+                                  </m:rPr>
+                                  <a:rPr lang="en-US" sz="1800" kern="100">
+                                    <a:effectLst/>
+                                    <a:latin typeface="Cambria Math" panose="02040503050406030204" pitchFamily="18" charset="0"/>
+                                    <a:ea typeface="Calibri" panose="020F0502020204030204" pitchFamily="34" charset="0"/>
+                                    <a:cs typeface="Times New Roman" panose="02020603050405020304" pitchFamily="18" charset="0"/>
+                                  </a:rPr>
+                                  <m:t>ψ</m:t>
+                                </m:r>
+                              </m:e>
+                              <m:sub>
+                                <m:r>
+                                  <a:rPr lang="en-US" sz="1800" i="1" kern="100">
+                                    <a:effectLst/>
+                                    <a:latin typeface="Cambria Math" panose="02040503050406030204" pitchFamily="18" charset="0"/>
+                                    <a:ea typeface="Calibri" panose="020F0502020204030204" pitchFamily="34" charset="0"/>
+                                    <a:cs typeface="Times New Roman" panose="02020603050405020304" pitchFamily="18" charset="0"/>
+                                  </a:rPr>
+                                  <m:t>𝑖</m:t>
+                                </m:r>
+                              </m:sub>
+                            </m:sSub>
+                          </m:den>
+                        </m:f>
+                      </m:e>
+                    </m:nary>
+                    <m:sSub>
+                      <m:sSubPr>
+                        <m:ctrlPr>
+                          <a:rPr lang="en-US" sz="1800" i="1" kern="100">
+                            <a:effectLst/>
+                            <a:latin typeface="Cambria Math" panose="02040503050406030204" pitchFamily="18" charset="0"/>
+                            <a:ea typeface="Calibri" panose="020F0502020204030204" pitchFamily="34" charset="0"/>
+                            <a:cs typeface="Times New Roman" panose="02020603050405020304" pitchFamily="18" charset="0"/>
+                          </a:rPr>
+                        </m:ctrlPr>
+                      </m:sSubPr>
+                      <m:e>
+                        <m:r>
+                          <a:rPr lang="en-US" sz="1800" i="1" kern="100">
+                            <a:effectLst/>
+                            <a:latin typeface="Cambria Math" panose="02040503050406030204" pitchFamily="18" charset="0"/>
+                            <a:ea typeface="Calibri" panose="020F0502020204030204" pitchFamily="34" charset="0"/>
+                            <a:cs typeface="Times New Roman" panose="02020603050405020304" pitchFamily="18" charset="0"/>
+                          </a:rPr>
+                          <m:t>𝑤</m:t>
+                        </m:r>
+                      </m:e>
+                      <m:sub>
+                        <m:r>
+                          <a:rPr lang="en-US" sz="1800" i="1" kern="100">
+                            <a:effectLst/>
+                            <a:latin typeface="Cambria Math" panose="02040503050406030204" pitchFamily="18" charset="0"/>
+                            <a:ea typeface="Calibri" panose="020F0502020204030204" pitchFamily="34" charset="0"/>
+                            <a:cs typeface="Times New Roman" panose="02020603050405020304" pitchFamily="18" charset="0"/>
+                          </a:rPr>
+                          <m:t>𝑖</m:t>
+                        </m:r>
+                      </m:sub>
+                    </m:sSub>
+                    <m:d>
+                      <m:dPr>
+                        <m:ctrlPr>
+                          <a:rPr lang="en-US" sz="1800" i="1" kern="100">
+                            <a:effectLst/>
+                            <a:latin typeface="Cambria Math" panose="02040503050406030204" pitchFamily="18" charset="0"/>
+                            <a:ea typeface="Calibri" panose="020F0502020204030204" pitchFamily="34" charset="0"/>
+                            <a:cs typeface="Times New Roman" panose="02020603050405020304" pitchFamily="18" charset="0"/>
+                          </a:rPr>
+                        </m:ctrlPr>
+                      </m:dPr>
+                      <m:e>
+                        <m:r>
+                          <a:rPr lang="en-US" sz="1800" i="1" kern="100">
+                            <a:effectLst/>
+                            <a:latin typeface="Cambria Math" panose="02040503050406030204" pitchFamily="18" charset="0"/>
+                            <a:ea typeface="Calibri" panose="020F0502020204030204" pitchFamily="34" charset="0"/>
+                            <a:cs typeface="Times New Roman" panose="02020603050405020304" pitchFamily="18" charset="0"/>
+                          </a:rPr>
+                          <m:t>𝑡</m:t>
+                        </m:r>
+                      </m:e>
+                    </m:d>
+                  </m:oMath>
+                </a14:m>
+                <a:r>
+                  <a:rPr lang="en-US" sz="1800" kern="100">
+                    <a:effectLst/>
+                    <a:latin typeface="Calibri" panose="020F0502020204030204" pitchFamily="34" charset="0"/>
+                    <a:ea typeface="Calibri" panose="020F0502020204030204" pitchFamily="34" charset="0"/>
+                    <a:cs typeface="Times New Roman" panose="02020603050405020304" pitchFamily="18" charset="0"/>
+                  </a:rPr>
+                  <a:t> trong đó </a:t>
+                </a:r>
+                <a14:m>
+                  <m:oMath xmlns:m="http://schemas.openxmlformats.org/officeDocument/2006/math">
+                    <m:sSub>
+                      <m:sSubPr>
+                        <m:ctrlPr>
+                          <a:rPr lang="en-US" sz="1800" i="1" kern="100">
+                            <a:effectLst/>
+                            <a:latin typeface="Cambria Math" panose="02040503050406030204" pitchFamily="18" charset="0"/>
+                            <a:ea typeface="Calibri" panose="020F0502020204030204" pitchFamily="34" charset="0"/>
+                            <a:cs typeface="Times New Roman" panose="02020603050405020304" pitchFamily="18" charset="0"/>
+                          </a:rPr>
+                        </m:ctrlPr>
+                      </m:sSubPr>
+                      <m:e>
+                        <m:r>
+                          <a:rPr lang="en-US" sz="1800" i="1" kern="100">
+                            <a:effectLst/>
+                            <a:latin typeface="Cambria Math" panose="02040503050406030204" pitchFamily="18" charset="0"/>
+                            <a:ea typeface="Calibri" panose="020F0502020204030204" pitchFamily="34" charset="0"/>
+                            <a:cs typeface="Times New Roman" panose="02020603050405020304" pitchFamily="18" charset="0"/>
+                          </a:rPr>
+                          <m:t>𝑤</m:t>
+                        </m:r>
+                      </m:e>
+                      <m:sub>
+                        <m:r>
+                          <a:rPr lang="en-US" sz="1800" i="1" kern="100">
+                            <a:effectLst/>
+                            <a:latin typeface="Cambria Math" panose="02040503050406030204" pitchFamily="18" charset="0"/>
+                            <a:ea typeface="Calibri" panose="020F0502020204030204" pitchFamily="34" charset="0"/>
+                            <a:cs typeface="Times New Roman" panose="02020603050405020304" pitchFamily="18" charset="0"/>
+                          </a:rPr>
+                          <m:t>𝑖</m:t>
+                        </m:r>
+                      </m:sub>
+                    </m:sSub>
+                    <m:d>
+                      <m:dPr>
+                        <m:ctrlPr>
+                          <a:rPr lang="en-US" sz="1800" i="1" kern="100">
+                            <a:effectLst/>
+                            <a:latin typeface="Cambria Math" panose="02040503050406030204" pitchFamily="18" charset="0"/>
+                            <a:ea typeface="Calibri" panose="020F0502020204030204" pitchFamily="34" charset="0"/>
+                            <a:cs typeface="Times New Roman" panose="02020603050405020304" pitchFamily="18" charset="0"/>
+                          </a:rPr>
+                        </m:ctrlPr>
+                      </m:dPr>
+                      <m:e>
+                        <m:r>
+                          <a:rPr lang="en-US" sz="1800" i="1" kern="100">
+                            <a:effectLst/>
+                            <a:latin typeface="Cambria Math" panose="02040503050406030204" pitchFamily="18" charset="0"/>
+                            <a:ea typeface="Calibri" panose="020F0502020204030204" pitchFamily="34" charset="0"/>
+                            <a:cs typeface="Times New Roman" panose="02020603050405020304" pitchFamily="18" charset="0"/>
+                          </a:rPr>
+                          <m:t>𝑡</m:t>
+                        </m:r>
+                      </m:e>
+                    </m:d>
+                  </m:oMath>
+                </a14:m>
+                <a:r>
+                  <a:rPr lang="en-US" sz="1800" kern="100">
+                    <a:effectLst/>
+                    <a:latin typeface="Calibri" panose="020F0502020204030204" pitchFamily="34" charset="0"/>
+                    <a:ea typeface="Calibri" panose="020F0502020204030204" pitchFamily="34" charset="0"/>
+                    <a:cs typeface="Times New Roman" panose="02020603050405020304" pitchFamily="18" charset="0"/>
+                  </a:rPr>
+                  <a:t> là mô hình cục bộ của nút i tại vòng lặp t. </a:t>
+                </a:r>
+              </a:p>
+              <a:p>
+                <a:endParaRPr lang="en-US"/>
+              </a:p>
+            </p:txBody>
+          </p:sp>
+        </mc:Choice>
+        <mc:Fallback xmlns="">
+          <p:sp>
+            <p:nvSpPr>
+              <p:cNvPr id="3" name="Content Placeholder 2">
+                <a:extLst>
+                  <a:ext uri="{FF2B5EF4-FFF2-40B4-BE49-F238E27FC236}">
+                    <a16:creationId xmlns:a16="http://schemas.microsoft.com/office/drawing/2014/main" id="{22A0BF92-C43B-4EE5-D425-E9AD31BEC51B}"/>
+                  </a:ext>
+                </a:extLst>
+              </p:cNvPr>
+              <p:cNvSpPr>
+                <a:spLocks noGrp="1" noRot="1" noChangeAspect="1" noMove="1" noResize="1" noEditPoints="1" noAdjustHandles="1" noChangeArrowheads="1" noChangeShapeType="1" noTextEdit="1"/>
+              </p:cNvSpPr>
+              <p:nvPr>
+                <p:ph idx="1"/>
+              </p:nvPr>
+            </p:nvSpPr>
+            <p:spPr>
+              <a:blipFill>
+                <a:blip r:embed="rId2"/>
+                <a:stretch>
+                  <a:fillRect l="-522" t="-1261"/>
+                </a:stretch>
+              </a:blipFill>
+            </p:spPr>
+            <p:txBody>
+              <a:bodyPr/>
+              <a:lstStyle/>
+              <a:p>
+                <a:r>
+                  <a:rPr lang="en-US">
+                    <a:noFill/>
+                  </a:rPr>
+                  <a:t> </a:t>
+                </a:r>
+              </a:p>
+            </p:txBody>
+          </p:sp>
+        </mc:Fallback>
+      </mc:AlternateContent>
+    </p:spTree>
+    <p:extLst>
+      <p:ext uri="{BB962C8B-B14F-4D97-AF65-F5344CB8AC3E}">
+        <p14:creationId xmlns:p14="http://schemas.microsoft.com/office/powerpoint/2010/main" val="3946713489"/>
+      </p:ext>
+    </p:extLst>
+  </p:cSld>
+  <p:clrMapOvr>
+    <a:masterClrMapping/>
+  </p:clrMapOvr>
+</p:sld>
+</file>
+
+<file path=ppt/slides/slide16.xml><?xml version="1.0" encoding="utf-8"?>
+<p:sld xmlns:a="http://schemas.openxmlformats.org/drawingml/2006/main" xmlns:r="http://schemas.openxmlformats.org/officeDocument/2006/relationships" xmlns:p="http://schemas.openxmlformats.org/presentationml/2006/main">
+  <p:cSld>
+    <p:spTree>
+      <p:nvGrpSpPr>
+        <p:cNvPr id="1" name=""/>
+        <p:cNvGrpSpPr/>
+        <p:nvPr/>
+      </p:nvGrpSpPr>
+      <p:grpSpPr>
+        <a:xfrm>
+          <a:off x="0" y="0"/>
+          <a:ext cx="0" cy="0"/>
+          <a:chOff x="0" y="0"/>
+          <a:chExt cx="0" cy="0"/>
+        </a:xfrm>
+      </p:grpSpPr>
+      <p:sp>
+        <p:nvSpPr>
+          <p:cNvPr id="2" name="Title 1">
+            <a:extLst>
+              <a:ext uri="{FF2B5EF4-FFF2-40B4-BE49-F238E27FC236}">
+                <a16:creationId xmlns:a16="http://schemas.microsoft.com/office/drawing/2014/main" id="{88AFD69D-ABD3-1884-0D46-F1479A457D1C}"/>
+              </a:ext>
+            </a:extLst>
+          </p:cNvPr>
+          <p:cNvSpPr>
+            <a:spLocks noGrp="1"/>
+          </p:cNvSpPr>
+          <p:nvPr>
+            <p:ph type="title"/>
+          </p:nvPr>
+        </p:nvSpPr>
+        <p:spPr/>
+        <p:txBody>
+          <a:bodyPr/>
+          <a:lstStyle/>
+          <a:p>
+            <a:r>
+              <a:rPr lang="en-US"/>
+              <a:t>Federated Impurity</a:t>
+            </a:r>
+          </a:p>
+        </p:txBody>
+      </p:sp>
+      <p:sp>
+        <p:nvSpPr>
+          <p:cNvPr id="3" name="Content Placeholder 2">
+            <a:extLst>
+              <a:ext uri="{FF2B5EF4-FFF2-40B4-BE49-F238E27FC236}">
+                <a16:creationId xmlns:a16="http://schemas.microsoft.com/office/drawing/2014/main" id="{22A0BF92-C43B-4EE5-D425-E9AD31BEC51B}"/>
+              </a:ext>
+            </a:extLst>
+          </p:cNvPr>
+          <p:cNvSpPr>
+            <a:spLocks noGrp="1"/>
+          </p:cNvSpPr>
+          <p:nvPr>
+            <p:ph idx="1"/>
+          </p:nvPr>
+        </p:nvSpPr>
+        <p:spPr>
+          <a:xfrm>
+            <a:off x="838200" y="1519387"/>
+            <a:ext cx="7192992" cy="1909613"/>
+          </a:xfrm>
+        </p:spPr>
+        <p:txBody>
+          <a:bodyPr>
+            <a:noAutofit/>
+          </a:bodyPr>
+          <a:lstStyle/>
+          <a:p>
+            <a:pPr marL="0" marR="0" indent="0">
+              <a:spcBef>
+                <a:spcPts val="0"/>
+              </a:spcBef>
+              <a:spcAft>
+                <a:spcPts val="0"/>
+              </a:spcAft>
+              <a:buNone/>
+            </a:pPr>
+            <a:r>
+              <a:rPr lang="en-US" sz="2000" b="1" kern="100">
+                <a:effectLst/>
+                <a:latin typeface="Calibri" panose="020F0502020204030204" pitchFamily="34" charset="0"/>
+                <a:ea typeface="Calibri" panose="020F0502020204030204" pitchFamily="34" charset="0"/>
+                <a:cs typeface="Times New Roman" panose="02020603050405020304" pitchFamily="18" charset="0"/>
+              </a:rPr>
+              <a:t>Đo lường mức độ non-iid của một nút dữ liệu</a:t>
+            </a:r>
+            <a:endParaRPr lang="en-US" sz="2000" kern="100">
+              <a:effectLst/>
+              <a:latin typeface="Calibri" panose="020F0502020204030204" pitchFamily="34" charset="0"/>
+              <a:ea typeface="Calibri" panose="020F0502020204030204" pitchFamily="34" charset="0"/>
+              <a:cs typeface="Times New Roman" panose="02020603050405020304" pitchFamily="18" charset="0"/>
+            </a:endParaRPr>
+          </a:p>
+          <a:p>
+            <a:endParaRPr lang="en-US" sz="2000"/>
+          </a:p>
+        </p:txBody>
+      </p:sp>
+      <p:pic>
+        <p:nvPicPr>
+          <p:cNvPr id="5" name="Picture 4">
+            <a:extLst>
+              <a:ext uri="{FF2B5EF4-FFF2-40B4-BE49-F238E27FC236}">
+                <a16:creationId xmlns:a16="http://schemas.microsoft.com/office/drawing/2014/main" id="{A9EC14F8-2468-F78D-4059-81E6C18675FA}"/>
+              </a:ext>
+            </a:extLst>
+          </p:cNvPr>
+          <p:cNvPicPr>
+            <a:picLocks noChangeAspect="1"/>
+          </p:cNvPicPr>
+          <p:nvPr/>
+        </p:nvPicPr>
+        <p:blipFill>
+          <a:blip r:embed="rId2"/>
+          <a:stretch>
+            <a:fillRect/>
+          </a:stretch>
+        </p:blipFill>
+        <p:spPr>
+          <a:xfrm>
+            <a:off x="2149415" y="2422433"/>
+            <a:ext cx="8321947" cy="3098471"/>
+          </a:xfrm>
+          <a:prstGeom prst="rect">
+            <a:avLst/>
+          </a:prstGeom>
+        </p:spPr>
+      </p:pic>
+    </p:spTree>
+    <p:extLst>
+      <p:ext uri="{BB962C8B-B14F-4D97-AF65-F5344CB8AC3E}">
+        <p14:creationId xmlns:p14="http://schemas.microsoft.com/office/powerpoint/2010/main" val="548961439"/>
+      </p:ext>
+    </p:extLst>
+  </p:cSld>
+  <p:clrMapOvr>
+    <a:masterClrMapping/>
+  </p:clrMapOvr>
+</p:sld>
+</file>
+
+<file path=ppt/slides/slide17.xml><?xml version="1.0" encoding="utf-8"?>
+<p:sld xmlns:a="http://schemas.openxmlformats.org/drawingml/2006/main" xmlns:r="http://schemas.openxmlformats.org/officeDocument/2006/relationships" xmlns:p="http://schemas.openxmlformats.org/presentationml/2006/main">
+  <p:cSld>
+    <p:spTree>
+      <p:nvGrpSpPr>
+        <p:cNvPr id="1" name=""/>
+        <p:cNvGrpSpPr/>
+        <p:nvPr/>
+      </p:nvGrpSpPr>
+      <p:grpSpPr>
+        <a:xfrm>
+          <a:off x="0" y="0"/>
+          <a:ext cx="0" cy="0"/>
+          <a:chOff x="0" y="0"/>
+          <a:chExt cx="0" cy="0"/>
+        </a:xfrm>
+      </p:grpSpPr>
+      <p:sp>
+        <p:nvSpPr>
+          <p:cNvPr id="2" name="Title 1">
+            <a:extLst>
+              <a:ext uri="{FF2B5EF4-FFF2-40B4-BE49-F238E27FC236}">
+                <a16:creationId xmlns:a16="http://schemas.microsoft.com/office/drawing/2014/main" id="{88AFD69D-ABD3-1884-0D46-F1479A457D1C}"/>
+              </a:ext>
+            </a:extLst>
+          </p:cNvPr>
+          <p:cNvSpPr>
+            <a:spLocks noGrp="1"/>
+          </p:cNvSpPr>
+          <p:nvPr>
+            <p:ph type="title"/>
+          </p:nvPr>
+        </p:nvSpPr>
+        <p:spPr/>
+        <p:txBody>
+          <a:bodyPr/>
+          <a:lstStyle/>
+          <a:p>
+            <a:r>
+              <a:rPr lang="en-US"/>
+              <a:t>Federated Impurity</a:t>
+            </a:r>
+          </a:p>
+        </p:txBody>
+      </p:sp>
+      <p:sp>
+        <p:nvSpPr>
+          <p:cNvPr id="3" name="Content Placeholder 2">
+            <a:extLst>
+              <a:ext uri="{FF2B5EF4-FFF2-40B4-BE49-F238E27FC236}">
+                <a16:creationId xmlns:a16="http://schemas.microsoft.com/office/drawing/2014/main" id="{22A0BF92-C43B-4EE5-D425-E9AD31BEC51B}"/>
+              </a:ext>
+            </a:extLst>
+          </p:cNvPr>
+          <p:cNvSpPr>
+            <a:spLocks noGrp="1"/>
+          </p:cNvSpPr>
+          <p:nvPr>
+            <p:ph idx="1"/>
+          </p:nvPr>
+        </p:nvSpPr>
+        <p:spPr>
+          <a:xfrm>
+            <a:off x="838200" y="1825625"/>
+            <a:ext cx="3181709" cy="1909613"/>
+          </a:xfrm>
+        </p:spPr>
+        <p:txBody>
+          <a:bodyPr>
+            <a:noAutofit/>
+          </a:bodyPr>
+          <a:lstStyle/>
+          <a:p>
+            <a:pPr marL="0" marR="0" indent="0">
+              <a:spcBef>
+                <a:spcPts val="0"/>
+              </a:spcBef>
+              <a:spcAft>
+                <a:spcPts val="0"/>
+              </a:spcAft>
+              <a:buNone/>
+            </a:pPr>
+            <a:r>
+              <a:rPr lang="en-US" sz="2000" b="1" kern="100">
+                <a:effectLst/>
+                <a:latin typeface="Calibri" panose="020F0502020204030204" pitchFamily="34" charset="0"/>
+                <a:ea typeface="Calibri" panose="020F0502020204030204" pitchFamily="34" charset="0"/>
+                <a:cs typeface="Times New Roman" panose="02020603050405020304" pitchFamily="18" charset="0"/>
+              </a:rPr>
+              <a:t>Đo lường mức độ non-iid của một nút dữ liệu</a:t>
+            </a:r>
+            <a:endParaRPr lang="en-US" sz="2000" kern="100">
+              <a:effectLst/>
+              <a:latin typeface="Calibri" panose="020F0502020204030204" pitchFamily="34" charset="0"/>
+              <a:ea typeface="Calibri" panose="020F0502020204030204" pitchFamily="34" charset="0"/>
+              <a:cs typeface="Times New Roman" panose="02020603050405020304" pitchFamily="18" charset="0"/>
+            </a:endParaRPr>
+          </a:p>
+          <a:p>
+            <a:endParaRPr lang="en-US" sz="2000"/>
+          </a:p>
+        </p:txBody>
+      </p:sp>
+      <p:pic>
+        <p:nvPicPr>
+          <p:cNvPr id="10" name="Picture 9">
+            <a:extLst>
+              <a:ext uri="{FF2B5EF4-FFF2-40B4-BE49-F238E27FC236}">
+                <a16:creationId xmlns:a16="http://schemas.microsoft.com/office/drawing/2014/main" id="{CD3BCB15-133A-A85E-18D4-49C3DF84CED2}"/>
+              </a:ext>
+            </a:extLst>
+          </p:cNvPr>
+          <p:cNvPicPr>
+            <a:picLocks noChangeAspect="1"/>
+          </p:cNvPicPr>
+          <p:nvPr/>
+        </p:nvPicPr>
+        <p:blipFill>
+          <a:blip r:embed="rId2"/>
+          <a:stretch>
+            <a:fillRect/>
+          </a:stretch>
+        </p:blipFill>
+        <p:spPr>
+          <a:xfrm>
+            <a:off x="5314815" y="503442"/>
+            <a:ext cx="6464249" cy="5645990"/>
+          </a:xfrm>
+          <a:prstGeom prst="rect">
+            <a:avLst/>
+          </a:prstGeom>
+        </p:spPr>
+      </p:pic>
+      <p:sp>
+        <p:nvSpPr>
+          <p:cNvPr id="7" name="TextBox 6">
+            <a:extLst>
+              <a:ext uri="{FF2B5EF4-FFF2-40B4-BE49-F238E27FC236}">
+                <a16:creationId xmlns:a16="http://schemas.microsoft.com/office/drawing/2014/main" id="{4CA34221-B911-569E-1FEB-5F61BF186AD2}"/>
+              </a:ext>
+            </a:extLst>
+          </p:cNvPr>
+          <p:cNvSpPr txBox="1"/>
+          <p:nvPr/>
+        </p:nvSpPr>
+        <p:spPr>
+          <a:xfrm>
+            <a:off x="838200" y="2449274"/>
+            <a:ext cx="3699294" cy="1754326"/>
+          </a:xfrm>
+          <a:prstGeom prst="rect">
+            <a:avLst/>
+          </a:prstGeom>
+          <a:noFill/>
+        </p:spPr>
+        <p:txBody>
+          <a:bodyPr wrap="square">
+            <a:spAutoFit/>
+          </a:bodyPr>
+          <a:lstStyle/>
+          <a:p>
+            <a:r>
+              <a:rPr lang="vi-VN"/>
+              <a:t>Đối với công thức JSD, giá trị khoảng cách sẽ nằm trong khoảng [0, 1]. Giá trị 0 tương ứng với hai phân phối có phân phối giống hệt nhau (IID) và 1 nếu phân phối hoàn toàn khác nhau (non_IID)</a:t>
+            </a:r>
+            <a:endParaRPr lang="en-US"/>
+          </a:p>
+        </p:txBody>
+      </p:sp>
+    </p:spTree>
+    <p:extLst>
+      <p:ext uri="{BB962C8B-B14F-4D97-AF65-F5344CB8AC3E}">
+        <p14:creationId xmlns:p14="http://schemas.microsoft.com/office/powerpoint/2010/main" val="2149343733"/>
+      </p:ext>
+    </p:extLst>
+  </p:cSld>
+  <p:clrMapOvr>
+    <a:masterClrMapping/>
+  </p:clrMapOvr>
+</p:sld>
+</file>
+
+<file path=ppt/slides/slide18.xml><?xml version="1.0" encoding="utf-8"?>
+<p:sld xmlns:a="http://schemas.openxmlformats.org/drawingml/2006/main" xmlns:r="http://schemas.openxmlformats.org/officeDocument/2006/relationships" xmlns:p="http://schemas.openxmlformats.org/presentationml/2006/main">
+  <p:cSld>
+    <p:spTree>
+      <p:nvGrpSpPr>
+        <p:cNvPr id="1" name=""/>
+        <p:cNvGrpSpPr/>
+        <p:nvPr/>
+      </p:nvGrpSpPr>
+      <p:grpSpPr>
+        <a:xfrm>
+          <a:off x="0" y="0"/>
+          <a:ext cx="0" cy="0"/>
+          <a:chOff x="0" y="0"/>
+          <a:chExt cx="0" cy="0"/>
+        </a:xfrm>
+      </p:grpSpPr>
+      <p:sp>
+        <p:nvSpPr>
+          <p:cNvPr id="2" name="Title 1">
+            <a:extLst>
+              <a:ext uri="{FF2B5EF4-FFF2-40B4-BE49-F238E27FC236}">
+                <a16:creationId xmlns:a16="http://schemas.microsoft.com/office/drawing/2014/main" id="{A70B79CB-8931-0256-575C-7324B2A135AC}"/>
+              </a:ext>
+            </a:extLst>
+          </p:cNvPr>
+          <p:cNvSpPr>
+            <a:spLocks noGrp="1"/>
+          </p:cNvSpPr>
+          <p:nvPr>
+            <p:ph type="title"/>
+          </p:nvPr>
+        </p:nvSpPr>
+        <p:spPr/>
+        <p:txBody>
+          <a:bodyPr/>
+          <a:lstStyle/>
+          <a:p>
+            <a:r>
+              <a:rPr lang="en-US"/>
+              <a:t>Thuật toán đề xuất 1</a:t>
+            </a:r>
+          </a:p>
+        </p:txBody>
+      </p:sp>
+      <p:sp>
+        <p:nvSpPr>
+          <p:cNvPr id="3" name="Content Placeholder 2">
+            <a:extLst>
+              <a:ext uri="{FF2B5EF4-FFF2-40B4-BE49-F238E27FC236}">
+                <a16:creationId xmlns:a16="http://schemas.microsoft.com/office/drawing/2014/main" id="{FC58BC58-84A5-774C-395B-4BD6E076E9BE}"/>
+              </a:ext>
+            </a:extLst>
+          </p:cNvPr>
+          <p:cNvSpPr>
+            <a:spLocks noGrp="1"/>
+          </p:cNvSpPr>
+          <p:nvPr>
+            <p:ph idx="1"/>
+          </p:nvPr>
+        </p:nvSpPr>
+        <p:spPr>
+          <a:xfrm>
+            <a:off x="838200" y="1825625"/>
+            <a:ext cx="10515600" cy="4351338"/>
+          </a:xfrm>
+        </p:spPr>
+        <p:txBody>
+          <a:bodyPr/>
+          <a:lstStyle/>
+          <a:p>
+            <a:pPr marL="0" indent="0">
+              <a:buNone/>
+            </a:pPr>
+            <a:r>
+              <a:rPr lang="en-US"/>
+              <a:t>Sử dụng lại thuật toán gốc kết hợp với strategy Federated Impurity</a:t>
+            </a:r>
+          </a:p>
+          <a:p>
+            <a:pPr marL="0" indent="0">
+              <a:buNone/>
+            </a:pPr>
+            <a:endParaRPr lang="en-US"/>
+          </a:p>
+          <a:p>
+            <a:pPr marL="0" indent="0">
+              <a:buNone/>
+            </a:pPr>
             <a:r>
               <a:rPr lang="en-US" sz="2400"/>
-              <a:t>Tuy nhiên có một số thay đổi như sau:</a:t>
-            </a:r>
-          </a:p>
-          <a:p>
-            <a:pPr marL="285750" indent="-285750">
-              <a:buFont typeface="Arial" panose="020B0604020202020204" pitchFamily="34" charset="0"/>
-              <a:buChar char="•"/>
+              <a:t>Nhận xét:</a:t>
+            </a:r>
+          </a:p>
+          <a:p>
+            <a:pPr marL="0" indent="0">
+              <a:buNone/>
             </a:pPr>
             <a:r>
-              <a:rPr lang="en-US" sz="2200"/>
-              <a:t>Do không tìm ra cách đo các thông số sử dụng trong việc tính toán thời gian truyền thông nên bước phân cụm sẽ chỉ dựa trên thời gian toán toán</a:t>
-            </a:r>
-          </a:p>
-          <a:p>
-            <a:pPr marL="285750" indent="-285750">
-              <a:buFont typeface="Arial" panose="020B0604020202020204" pitchFamily="34" charset="0"/>
-              <a:buChar char="•"/>
+              <a:rPr lang="en-US" sz="2000"/>
+              <a:t>- Không có sự cải tiến cho vấn đề Straggler effect</a:t>
+            </a:r>
+          </a:p>
+          <a:p>
+            <a:pPr marL="0" indent="0">
+              <a:buNone/>
             </a:pPr>
             <a:r>
-              <a:rPr lang="en-US" sz="2200"/>
-              <a:t>Dựa trên thời gian tính toán, thuật toán sẽ xác định số epoch huấn luyện trong quá trình huấn luyện cục bộ của mỗi cụm, sao cho độ chễ về thời điểm server nhận được mô hình từ các client là nhỏ nhất</a:t>
-            </a:r>
-          </a:p>
-          <a:p>
-            <a:pPr marL="285750" indent="-285750">
-              <a:buFont typeface="Arial" panose="020B0604020202020204" pitchFamily="34" charset="0"/>
-              <a:buChar char="•"/>
-            </a:pPr>
-            <a:r>
-              <a:rPr lang="en-US" sz="2200"/>
-              <a:t>Giữ nguyen bước training tuy nhiên sẽ điều chỉnh hàm phần thưởng cho phù hợp (bỏ các thông số cần đến thời gian truyền thông tính toán từ trước)</a:t>
-            </a:r>
-          </a:p>
-          <a:p>
-            <a:pPr marL="285750" indent="-285750">
-              <a:buFont typeface="Arial" panose="020B0604020202020204" pitchFamily="34" charset="0"/>
-              <a:buChar char="•"/>
-            </a:pPr>
-            <a:r>
-              <a:rPr lang="en-US" sz="2200"/>
-              <a:t>Sử dụng thêm strategy Impurity của anh Cường thay cho FedAVG để giải quyết vấn đề non-IID</a:t>
+              <a:rPr lang="en-US" sz="2000"/>
+              <a:t>- Giải quyết vấn đề dữ liệu non-iid mà thuật toán gốc chưa giải quyết cụ thể</a:t>
             </a:r>
           </a:p>
         </p:txBody>
@@ -4935,6 +7220,456 @@
     <p:extLst>
       <p:ext uri="{BB962C8B-B14F-4D97-AF65-F5344CB8AC3E}">
         <p14:creationId xmlns:p14="http://schemas.microsoft.com/office/powerpoint/2010/main" val="2289344390"/>
+      </p:ext>
+    </p:extLst>
+  </p:cSld>
+  <p:clrMapOvr>
+    <a:masterClrMapping/>
+  </p:clrMapOvr>
+</p:sld>
+</file>
+
+<file path=ppt/slides/slide19.xml><?xml version="1.0" encoding="utf-8"?>
+<p:sld xmlns:a="http://schemas.openxmlformats.org/drawingml/2006/main" xmlns:r="http://schemas.openxmlformats.org/officeDocument/2006/relationships" xmlns:p="http://schemas.openxmlformats.org/presentationml/2006/main">
+  <p:cSld>
+    <p:spTree>
+      <p:nvGrpSpPr>
+        <p:cNvPr id="1" name=""/>
+        <p:cNvGrpSpPr/>
+        <p:nvPr/>
+      </p:nvGrpSpPr>
+      <p:grpSpPr>
+        <a:xfrm>
+          <a:off x="0" y="0"/>
+          <a:ext cx="0" cy="0"/>
+          <a:chOff x="0" y="0"/>
+          <a:chExt cx="0" cy="0"/>
+        </a:xfrm>
+      </p:grpSpPr>
+      <p:sp>
+        <p:nvSpPr>
+          <p:cNvPr id="2" name="Title 1">
+            <a:extLst>
+              <a:ext uri="{FF2B5EF4-FFF2-40B4-BE49-F238E27FC236}">
+                <a16:creationId xmlns:a16="http://schemas.microsoft.com/office/drawing/2014/main" id="{A70B79CB-8931-0256-575C-7324B2A135AC}"/>
+              </a:ext>
+            </a:extLst>
+          </p:cNvPr>
+          <p:cNvSpPr>
+            <a:spLocks noGrp="1"/>
+          </p:cNvSpPr>
+          <p:nvPr>
+            <p:ph type="title"/>
+          </p:nvPr>
+        </p:nvSpPr>
+        <p:spPr/>
+        <p:txBody>
+          <a:bodyPr/>
+          <a:lstStyle/>
+          <a:p>
+            <a:r>
+              <a:rPr lang="en-US"/>
+              <a:t>Thuật toán đề xuất 2</a:t>
+            </a:r>
+          </a:p>
+        </p:txBody>
+      </p:sp>
+      <mc:AlternateContent xmlns:mc="http://schemas.openxmlformats.org/markup-compatibility/2006" xmlns:a14="http://schemas.microsoft.com/office/drawing/2010/main">
+        <mc:Choice Requires="a14">
+          <p:sp>
+            <p:nvSpPr>
+              <p:cNvPr id="3" name="Content Placeholder 2">
+                <a:extLst>
+                  <a:ext uri="{FF2B5EF4-FFF2-40B4-BE49-F238E27FC236}">
+                    <a16:creationId xmlns:a16="http://schemas.microsoft.com/office/drawing/2014/main" id="{FC58BC58-84A5-774C-395B-4BD6E076E9BE}"/>
+                  </a:ext>
+                </a:extLst>
+              </p:cNvPr>
+              <p:cNvSpPr>
+                <a:spLocks noGrp="1"/>
+              </p:cNvSpPr>
+              <p:nvPr>
+                <p:ph idx="1"/>
+              </p:nvPr>
+            </p:nvSpPr>
+            <p:spPr>
+              <a:xfrm>
+                <a:off x="838200" y="1825625"/>
+                <a:ext cx="10515600" cy="4351338"/>
+              </a:xfrm>
+            </p:spPr>
+            <p:txBody>
+              <a:bodyPr>
+                <a:normAutofit fontScale="92500" lnSpcReduction="20000"/>
+              </a:bodyPr>
+              <a:lstStyle/>
+              <a:p>
+                <a:pPr marL="0" indent="0">
+                  <a:buNone/>
+                </a:pPr>
+                <a:r>
+                  <a:rPr lang="en-US"/>
+                  <a:t>Bỏ Reinforcement Learning và sửa số epoch cho mỗi cụm sao cho không có thời gian chờ (có thể giảm số vòng huấn luyện toàn cầu)</a:t>
+                </a:r>
+              </a:p>
+              <a:p>
+                <a:pPr marL="0" indent="0">
+                  <a:buNone/>
+                </a:pPr>
+                <a:r>
+                  <a:rPr lang="en-US" sz="2000"/>
+                  <a:t>Bước 1: Thực hiện phân cụm giống thuật toán gốc</a:t>
+                </a:r>
+              </a:p>
+              <a:p>
+                <a:pPr marL="0" indent="0">
+                  <a:buNone/>
+                </a:pPr>
+                <a:r>
+                  <a:rPr lang="en-US" sz="2000"/>
+                  <a:t>Bước 2: Thực hiện tính toán các local epoch dựa trên thời gian huấn luyện của client có thời gian huấn luyện lâu nhất. Giả sử ở vòng lặp t chọn ra x client cho việc huấn luyện trong k cụm, ta có </a:t>
+                </a:r>
+                <a14:m>
+                  <m:oMath xmlns:m="http://schemas.openxmlformats.org/officeDocument/2006/math">
+                    <m:sSub>
+                      <m:sSubPr>
+                        <m:ctrlPr>
+                          <a:rPr lang="en-US" sz="2000" i="1" smtClean="0">
+                            <a:latin typeface="Cambria Math" panose="02040503050406030204" pitchFamily="18" charset="0"/>
+                          </a:rPr>
+                        </m:ctrlPr>
+                      </m:sSubPr>
+                      <m:e>
+                        <m:r>
+                          <a:rPr lang="en-US" sz="2000" b="0" i="1" smtClean="0">
+                            <a:latin typeface="Cambria Math" panose="02040503050406030204" pitchFamily="18" charset="0"/>
+                          </a:rPr>
+                          <m:t>𝑇</m:t>
+                        </m:r>
+                      </m:e>
+                      <m:sub>
+                        <m:r>
+                          <a:rPr lang="en-US" sz="2000" b="0" i="1" smtClean="0">
+                            <a:latin typeface="Cambria Math" panose="02040503050406030204" pitchFamily="18" charset="0"/>
+                          </a:rPr>
+                          <m:t>𝑖</m:t>
+                        </m:r>
+                      </m:sub>
+                    </m:sSub>
+                  </m:oMath>
+                </a14:m>
+                <a:r>
+                  <a:rPr lang="en-US" sz="2000"/>
+                  <a:t> lần lượt là thời gian tính toán và truyền thông lớn nhất trong các máy được chọn ở client i. Khi đó số local epoch cho các client ở cụm I được tính như sau:</a:t>
+                </a:r>
+              </a:p>
+              <a:p>
+                <a:pPr marL="0" indent="0">
+                  <a:buNone/>
+                </a:pPr>
+                <a14:m>
+                  <m:oMathPara xmlns:m="http://schemas.openxmlformats.org/officeDocument/2006/math">
+                    <m:oMathParaPr>
+                      <m:jc m:val="centerGroup"/>
+                    </m:oMathParaPr>
+                    <m:oMath xmlns:m="http://schemas.openxmlformats.org/officeDocument/2006/math">
+                      <m:sSub>
+                        <m:sSubPr>
+                          <m:ctrlPr>
+                            <a:rPr lang="en-US" sz="2200" i="1">
+                              <a:latin typeface="Cambria Math" panose="02040503050406030204" pitchFamily="18" charset="0"/>
+                            </a:rPr>
+                          </m:ctrlPr>
+                        </m:sSubPr>
+                        <m:e>
+                          <m:r>
+                            <a:rPr lang="en-US" sz="2200" b="0" i="1" smtClean="0">
+                              <a:latin typeface="Cambria Math" panose="02040503050406030204" pitchFamily="18" charset="0"/>
+                            </a:rPr>
+                            <m:t>𝐸</m:t>
+                          </m:r>
+                        </m:e>
+                        <m:sub>
+                          <m:r>
+                            <a:rPr lang="en-US" sz="2200" i="1">
+                              <a:latin typeface="Cambria Math" panose="02040503050406030204" pitchFamily="18" charset="0"/>
+                            </a:rPr>
+                            <m:t>𝑖</m:t>
+                          </m:r>
+                        </m:sub>
+                      </m:sSub>
+                      <m:r>
+                        <a:rPr lang="en-US" sz="2200" i="1" kern="100">
+                          <a:effectLst/>
+                          <a:latin typeface="Cambria Math" panose="02040503050406030204" pitchFamily="18" charset="0"/>
+                          <a:ea typeface="Calibri" panose="020F0502020204030204" pitchFamily="34" charset="0"/>
+                          <a:cs typeface="Times New Roman" panose="02020603050405020304" pitchFamily="18" charset="0"/>
+                        </a:rPr>
+                        <m:t>=</m:t>
+                      </m:r>
+                      <m:r>
+                        <m:rPr>
+                          <m:nor/>
+                        </m:rPr>
+                        <a:rPr lang="en-US" sz="2200"/>
+                        <m:t>⌊</m:t>
+                      </m:r>
+                      <m:f>
+                        <m:fPr>
+                          <m:ctrlPr>
+                            <a:rPr lang="en-US" sz="2200" i="1" kern="100">
+                              <a:latin typeface="Cambria Math" panose="02040503050406030204" pitchFamily="18" charset="0"/>
+                              <a:ea typeface="Calibri" panose="020F0502020204030204" pitchFamily="34" charset="0"/>
+                              <a:cs typeface="Times New Roman" panose="02020603050405020304" pitchFamily="18" charset="0"/>
+                            </a:rPr>
+                          </m:ctrlPr>
+                        </m:fPr>
+                        <m:num>
+                          <m:r>
+                            <a:rPr lang="en-US" sz="2200" i="1" kern="100">
+                              <a:latin typeface="Cambria Math" panose="02040503050406030204" pitchFamily="18" charset="0"/>
+                              <a:ea typeface="Calibri" panose="020F0502020204030204" pitchFamily="34" charset="0"/>
+                              <a:cs typeface="Times New Roman" panose="02020603050405020304" pitchFamily="18" charset="0"/>
+                            </a:rPr>
+                            <m:t>5 </m:t>
+                          </m:r>
+                          <m:r>
+                            <m:rPr>
+                              <m:sty m:val="p"/>
+                            </m:rPr>
+                            <a:rPr lang="en-US" sz="2200" kern="100">
+                              <a:latin typeface="Cambria Math" panose="02040503050406030204" pitchFamily="18" charset="0"/>
+                              <a:ea typeface="Calibri" panose="020F0502020204030204" pitchFamily="34" charset="0"/>
+                              <a:cs typeface="Times New Roman" panose="02020603050405020304" pitchFamily="18" charset="0"/>
+                            </a:rPr>
+                            <m:t>max</m:t>
+                          </m:r>
+                          <m:r>
+                            <a:rPr lang="en-US" sz="2200" i="1" kern="100">
+                              <a:latin typeface="Cambria Math" panose="02040503050406030204" pitchFamily="18" charset="0"/>
+                              <a:ea typeface="Calibri" panose="020F0502020204030204" pitchFamily="34" charset="0"/>
+                              <a:cs typeface="Times New Roman" panose="02020603050405020304" pitchFamily="18" charset="0"/>
+                            </a:rPr>
+                            <m:t>⁡(</m:t>
+                          </m:r>
+                          <m:sSub>
+                            <m:sSubPr>
+                              <m:ctrlPr>
+                                <a:rPr lang="en-US" sz="2200" i="1">
+                                  <a:latin typeface="Cambria Math" panose="02040503050406030204" pitchFamily="18" charset="0"/>
+                                </a:rPr>
+                              </m:ctrlPr>
+                            </m:sSubPr>
+                            <m:e>
+                              <m:r>
+                                <a:rPr lang="en-US" sz="2200" i="1">
+                                  <a:latin typeface="Cambria Math" panose="02040503050406030204" pitchFamily="18" charset="0"/>
+                                </a:rPr>
+                                <m:t>𝑇</m:t>
+                              </m:r>
+                            </m:e>
+                            <m:sub>
+                              <m:r>
+                                <a:rPr lang="en-US" sz="2200" i="1">
+                                  <a:latin typeface="Cambria Math" panose="02040503050406030204" pitchFamily="18" charset="0"/>
+                                </a:rPr>
+                                <m:t>1</m:t>
+                              </m:r>
+                            </m:sub>
+                          </m:sSub>
+                          <m:r>
+                            <a:rPr lang="en-US" sz="2200" i="1">
+                              <a:latin typeface="Cambria Math" panose="02040503050406030204" pitchFamily="18" charset="0"/>
+                            </a:rPr>
+                            <m:t>,</m:t>
+                          </m:r>
+                          <m:sSub>
+                            <m:sSubPr>
+                              <m:ctrlPr>
+                                <a:rPr lang="en-US" sz="2200" i="1">
+                                  <a:latin typeface="Cambria Math" panose="02040503050406030204" pitchFamily="18" charset="0"/>
+                                </a:rPr>
+                              </m:ctrlPr>
+                            </m:sSubPr>
+                            <m:e>
+                              <m:r>
+                                <a:rPr lang="en-US" sz="2200" i="1">
+                                  <a:latin typeface="Cambria Math" panose="02040503050406030204" pitchFamily="18" charset="0"/>
+                                </a:rPr>
+                                <m:t>𝑇</m:t>
+                              </m:r>
+                            </m:e>
+                            <m:sub>
+                              <m:r>
+                                <a:rPr lang="en-US" sz="2200" i="1">
+                                  <a:latin typeface="Cambria Math" panose="02040503050406030204" pitchFamily="18" charset="0"/>
+                                </a:rPr>
+                                <m:t>2</m:t>
+                              </m:r>
+                            </m:sub>
+                          </m:sSub>
+                          <m:r>
+                            <a:rPr lang="en-US" sz="2200" i="1">
+                              <a:latin typeface="Cambria Math" panose="02040503050406030204" pitchFamily="18" charset="0"/>
+                            </a:rPr>
+                            <m:t>,…,</m:t>
+                          </m:r>
+                          <m:sSub>
+                            <m:sSubPr>
+                              <m:ctrlPr>
+                                <a:rPr lang="en-US" sz="2200" i="1">
+                                  <a:latin typeface="Cambria Math" panose="02040503050406030204" pitchFamily="18" charset="0"/>
+                                </a:rPr>
+                              </m:ctrlPr>
+                            </m:sSubPr>
+                            <m:e>
+                              <m:r>
+                                <a:rPr lang="en-US" sz="2200" i="1">
+                                  <a:latin typeface="Cambria Math" panose="02040503050406030204" pitchFamily="18" charset="0"/>
+                                </a:rPr>
+                                <m:t>𝑇</m:t>
+                              </m:r>
+                            </m:e>
+                            <m:sub>
+                              <m:r>
+                                <a:rPr lang="en-US" sz="2200" i="1">
+                                  <a:latin typeface="Cambria Math" panose="02040503050406030204" pitchFamily="18" charset="0"/>
+                                </a:rPr>
+                                <m:t>𝑘</m:t>
+                              </m:r>
+                            </m:sub>
+                          </m:sSub>
+                          <m:r>
+                            <a:rPr lang="en-US" sz="2200" i="1">
+                              <a:latin typeface="Cambria Math" panose="02040503050406030204" pitchFamily="18" charset="0"/>
+                            </a:rPr>
+                            <m:t>)</m:t>
+                          </m:r>
+                        </m:num>
+                        <m:den>
+                          <m:sSub>
+                            <m:sSubPr>
+                              <m:ctrlPr>
+                                <a:rPr lang="en-US" sz="2200" i="1">
+                                  <a:latin typeface="Cambria Math" panose="02040503050406030204" pitchFamily="18" charset="0"/>
+                                </a:rPr>
+                              </m:ctrlPr>
+                            </m:sSubPr>
+                            <m:e>
+                              <m:r>
+                                <a:rPr lang="en-US" sz="2200" i="1">
+                                  <a:latin typeface="Cambria Math" panose="02040503050406030204" pitchFamily="18" charset="0"/>
+                                </a:rPr>
+                                <m:t>𝑇</m:t>
+                              </m:r>
+                            </m:e>
+                            <m:sub>
+                              <m:r>
+                                <a:rPr lang="en-US" sz="2200" i="1">
+                                  <a:latin typeface="Cambria Math" panose="02040503050406030204" pitchFamily="18" charset="0"/>
+                                </a:rPr>
+                                <m:t>𝑖</m:t>
+                              </m:r>
+                            </m:sub>
+                          </m:sSub>
+                        </m:den>
+                      </m:f>
+                      <m:r>
+                        <m:rPr>
+                          <m:nor/>
+                        </m:rPr>
+                        <a:rPr lang="en-US" sz="2200"/>
+                        <m:t>⌋</m:t>
+                      </m:r>
+                    </m:oMath>
+                  </m:oMathPara>
+                </a14:m>
+                <a:endParaRPr lang="en-US" sz="2200"/>
+              </a:p>
+              <a:p>
+                <a:pPr marL="0" indent="0">
+                  <a:buNone/>
+                </a:pPr>
+                <a:endParaRPr lang="en-US" sz="2200"/>
+              </a:p>
+              <a:p>
+                <a:pPr marL="0" indent="0">
+                  <a:buNone/>
+                </a:pPr>
+                <a:r>
+                  <a:rPr lang="en-US" sz="2400"/>
+                  <a:t>Nhận xét:</a:t>
+                </a:r>
+              </a:p>
+              <a:p>
+                <a:pPr marL="0" indent="0">
+                  <a:buNone/>
+                </a:pPr>
+                <a:r>
+                  <a:rPr lang="en-US" sz="2000"/>
+                  <a:t>- Thời gian huấn luyện sẽ lâu tuy nhiên sẽ giảm thiểu được thời gian các máy phải chờ nhau trong 1 vòng huấn luyện</a:t>
+                </a:r>
+              </a:p>
+              <a:p>
+                <a:pPr marL="0" indent="0">
+                  <a:buNone/>
+                </a:pPr>
+                <a:r>
+                  <a:rPr lang="en-US" sz="2000"/>
+                  <a:t>- Do trong một vòng huấn luyện có những client có thể thực hiện nhiều epoch hơn nên tốc độ hội tụ có thể giảm xuống -&gt; giảm số vòng huấn luyện toàn cầu</a:t>
+                </a:r>
+              </a:p>
+            </p:txBody>
+          </p:sp>
+        </mc:Choice>
+        <mc:Fallback xmlns="">
+          <p:sp>
+            <p:nvSpPr>
+              <p:cNvPr id="3" name="Content Placeholder 2">
+                <a:extLst>
+                  <a:ext uri="{FF2B5EF4-FFF2-40B4-BE49-F238E27FC236}">
+                    <a16:creationId xmlns:a16="http://schemas.microsoft.com/office/drawing/2014/main" id="{FC58BC58-84A5-774C-395B-4BD6E076E9BE}"/>
+                  </a:ext>
+                </a:extLst>
+              </p:cNvPr>
+              <p:cNvSpPr>
+                <a:spLocks noGrp="1" noRot="1" noChangeAspect="1" noMove="1" noResize="1" noEditPoints="1" noAdjustHandles="1" noChangeArrowheads="1" noChangeShapeType="1" noTextEdit="1"/>
+              </p:cNvSpPr>
+              <p:nvPr>
+                <p:ph idx="1"/>
+              </p:nvPr>
+            </p:nvSpPr>
+            <p:spPr>
+              <a:xfrm>
+                <a:off x="838200" y="1825625"/>
+                <a:ext cx="10515600" cy="4351338"/>
+              </a:xfrm>
+              <a:blipFill>
+                <a:blip r:embed="rId2"/>
+                <a:stretch>
+                  <a:fillRect l="-1043" t="-3501" r="-870" b="-420"/>
+                </a:stretch>
+              </a:blipFill>
+            </p:spPr>
+            <p:txBody>
+              <a:bodyPr/>
+              <a:lstStyle/>
+              <a:p>
+                <a:r>
+                  <a:rPr lang="en-US">
+                    <a:noFill/>
+                  </a:rPr>
+                  <a:t> </a:t>
+                </a:r>
+              </a:p>
+            </p:txBody>
+          </p:sp>
+        </mc:Fallback>
+      </mc:AlternateContent>
+    </p:spTree>
+    <p:extLst>
+      <p:ext uri="{BB962C8B-B14F-4D97-AF65-F5344CB8AC3E}">
+        <p14:creationId xmlns:p14="http://schemas.microsoft.com/office/powerpoint/2010/main" val="1471484978"/>
       </p:ext>
     </p:extLst>
   </p:cSld>
@@ -5099,6 +7834,103 @@
     <p:extLst>
       <p:ext uri="{BB962C8B-B14F-4D97-AF65-F5344CB8AC3E}">
         <p14:creationId xmlns:p14="http://schemas.microsoft.com/office/powerpoint/2010/main" val="548291650"/>
+      </p:ext>
+    </p:extLst>
+  </p:cSld>
+  <p:clrMapOvr>
+    <a:masterClrMapping/>
+  </p:clrMapOvr>
+</p:sld>
+</file>
+
+<file path=ppt/slides/slide20.xml><?xml version="1.0" encoding="utf-8"?>
+<p:sld xmlns:a="http://schemas.openxmlformats.org/drawingml/2006/main" xmlns:r="http://schemas.openxmlformats.org/officeDocument/2006/relationships" xmlns:p="http://schemas.openxmlformats.org/presentationml/2006/main">
+  <p:cSld>
+    <p:spTree>
+      <p:nvGrpSpPr>
+        <p:cNvPr id="1" name=""/>
+        <p:cNvGrpSpPr/>
+        <p:nvPr/>
+      </p:nvGrpSpPr>
+      <p:grpSpPr>
+        <a:xfrm>
+          <a:off x="0" y="0"/>
+          <a:ext cx="0" cy="0"/>
+          <a:chOff x="0" y="0"/>
+          <a:chExt cx="0" cy="0"/>
+        </a:xfrm>
+      </p:grpSpPr>
+      <p:sp>
+        <p:nvSpPr>
+          <p:cNvPr id="2" name="Title 1">
+            <a:extLst>
+              <a:ext uri="{FF2B5EF4-FFF2-40B4-BE49-F238E27FC236}">
+                <a16:creationId xmlns:a16="http://schemas.microsoft.com/office/drawing/2014/main" id="{A70B79CB-8931-0256-575C-7324B2A135AC}"/>
+              </a:ext>
+            </a:extLst>
+          </p:cNvPr>
+          <p:cNvSpPr>
+            <a:spLocks noGrp="1"/>
+          </p:cNvSpPr>
+          <p:nvPr>
+            <p:ph type="title"/>
+          </p:nvPr>
+        </p:nvSpPr>
+        <p:spPr/>
+        <p:txBody>
+          <a:bodyPr/>
+          <a:lstStyle/>
+          <a:p>
+            <a:r>
+              <a:rPr lang="en-US"/>
+              <a:t>Thuật toán đề xuất 3</a:t>
+            </a:r>
+          </a:p>
+        </p:txBody>
+      </p:sp>
+      <p:sp>
+        <p:nvSpPr>
+          <p:cNvPr id="3" name="Content Placeholder 2">
+            <a:extLst>
+              <a:ext uri="{FF2B5EF4-FFF2-40B4-BE49-F238E27FC236}">
+                <a16:creationId xmlns:a16="http://schemas.microsoft.com/office/drawing/2014/main" id="{FC58BC58-84A5-774C-395B-4BD6E076E9BE}"/>
+              </a:ext>
+            </a:extLst>
+          </p:cNvPr>
+          <p:cNvSpPr>
+            <a:spLocks noGrp="1"/>
+          </p:cNvSpPr>
+          <p:nvPr>
+            <p:ph idx="1"/>
+          </p:nvPr>
+        </p:nvSpPr>
+        <p:spPr>
+          <a:xfrm>
+            <a:off x="838200" y="1690688"/>
+            <a:ext cx="10515600" cy="4351338"/>
+          </a:xfrm>
+        </p:spPr>
+        <p:txBody>
+          <a:bodyPr>
+            <a:normAutofit/>
+          </a:bodyPr>
+          <a:lstStyle/>
+          <a:p>
+            <a:pPr marL="0" indent="0">
+              <a:buNone/>
+            </a:pPr>
+            <a:r>
+              <a:rPr lang="en-US"/>
+              <a:t>Thực hiện phân cụm kết hợp giữa mức độ non-iid và thời gian huấn luyện</a:t>
+            </a:r>
+            <a:endParaRPr lang="en-US" sz="2200"/>
+          </a:p>
+        </p:txBody>
+      </p:sp>
+    </p:spTree>
+    <p:extLst>
+      <p:ext uri="{BB962C8B-B14F-4D97-AF65-F5344CB8AC3E}">
+        <p14:creationId xmlns:p14="http://schemas.microsoft.com/office/powerpoint/2010/main" val="4097783433"/>
       </p:ext>
     </p:extLst>
   </p:cSld>
@@ -7093,7 +9925,7 @@
         </p:blipFill>
         <p:spPr>
           <a:xfrm>
-            <a:off x="4047039" y="4101458"/>
+            <a:off x="4443854" y="4128397"/>
             <a:ext cx="2081591" cy="299229"/>
           </a:xfrm>
           <a:prstGeom prst="rect">
